--- a/Presentation.pptx
+++ b/Presentation.pptx
@@ -2,13 +2,15 @@
 <file path=ppt/presentation.xml><?xml version="1.0" encoding="utf-8"?>
 <p:presentation xmlns:a="http://schemas.openxmlformats.org/drawingml/2006/main" xmlns:r="http://schemas.openxmlformats.org/officeDocument/2006/relationships" xmlns:p="http://schemas.openxmlformats.org/presentationml/2006/main" saveSubsetFonts="1" autoCompressPictures="0">
   <p:sldMasterIdLst>
-    <p:sldMasterId id="2147483660" r:id="rId1"/>
+    <p:sldMasterId id="2147483696" r:id="rId1"/>
   </p:sldMasterIdLst>
   <p:sldIdLst>
     <p:sldId id="256" r:id="rId2"/>
     <p:sldId id="257" r:id="rId3"/>
     <p:sldId id="258" r:id="rId4"/>
-    <p:sldId id="259" r:id="rId5"/>
+    <p:sldId id="260" r:id="rId5"/>
+    <p:sldId id="261" r:id="rId6"/>
+    <p:sldId id="259" r:id="rId7"/>
   </p:sldIdLst>
   <p:sldSz cx="12192000" cy="6858000"/>
   <p:notesSz cx="6858000" cy="9144000"/>
@@ -440,7 +442,7 @@
     </p:spTree>
     <p:extLst>
       <p:ext uri="{BB962C8B-B14F-4D97-AF65-F5344CB8AC3E}">
-        <p14:creationId xmlns:p14="http://schemas.microsoft.com/office/powerpoint/2010/main" val="3132703460"/>
+        <p14:creationId xmlns:p14="http://schemas.microsoft.com/office/powerpoint/2010/main" val="201374934"/>
       </p:ext>
     </p:extLst>
   </p:cSld>
@@ -854,7 +856,7 @@
     </p:spTree>
     <p:extLst>
       <p:ext uri="{BB962C8B-B14F-4D97-AF65-F5344CB8AC3E}">
-        <p14:creationId xmlns:p14="http://schemas.microsoft.com/office/powerpoint/2010/main" val="1706868911"/>
+        <p14:creationId xmlns:p14="http://schemas.microsoft.com/office/powerpoint/2010/main" val="375959551"/>
       </p:ext>
     </p:extLst>
   </p:cSld>
@@ -1190,7 +1192,7 @@
     </p:spTree>
     <p:extLst>
       <p:ext uri="{BB962C8B-B14F-4D97-AF65-F5344CB8AC3E}">
-        <p14:creationId xmlns:p14="http://schemas.microsoft.com/office/powerpoint/2010/main" val="3316328031"/>
+        <p14:creationId xmlns:p14="http://schemas.microsoft.com/office/powerpoint/2010/main" val="2058412125"/>
       </p:ext>
     </p:extLst>
   </p:cSld>
@@ -1827,7 +1829,7 @@
     </p:spTree>
     <p:extLst>
       <p:ext uri="{BB962C8B-B14F-4D97-AF65-F5344CB8AC3E}">
-        <p14:creationId xmlns:p14="http://schemas.microsoft.com/office/powerpoint/2010/main" val="912088981"/>
+        <p14:creationId xmlns:p14="http://schemas.microsoft.com/office/powerpoint/2010/main" val="1034345463"/>
       </p:ext>
     </p:extLst>
   </p:cSld>
@@ -2163,7 +2165,7 @@
     </p:spTree>
     <p:extLst>
       <p:ext uri="{BB962C8B-B14F-4D97-AF65-F5344CB8AC3E}">
-        <p14:creationId xmlns:p14="http://schemas.microsoft.com/office/powerpoint/2010/main" val="3603434989"/>
+        <p14:creationId xmlns:p14="http://schemas.microsoft.com/office/powerpoint/2010/main" val="2895123600"/>
       </p:ext>
     </p:extLst>
   </p:cSld>
@@ -2839,7 +2841,7 @@
     </p:spTree>
     <p:extLst>
       <p:ext uri="{BB962C8B-B14F-4D97-AF65-F5344CB8AC3E}">
-        <p14:creationId xmlns:p14="http://schemas.microsoft.com/office/powerpoint/2010/main" val="3957946514"/>
+        <p14:creationId xmlns:p14="http://schemas.microsoft.com/office/powerpoint/2010/main" val="2284555162"/>
       </p:ext>
     </p:extLst>
   </p:cSld>
@@ -3752,7 +3754,7 @@
     </p:spTree>
     <p:extLst>
       <p:ext uri="{BB962C8B-B14F-4D97-AF65-F5344CB8AC3E}">
-        <p14:creationId xmlns:p14="http://schemas.microsoft.com/office/powerpoint/2010/main" val="1252125114"/>
+        <p14:creationId xmlns:p14="http://schemas.microsoft.com/office/powerpoint/2010/main" val="3790157037"/>
       </p:ext>
     </p:extLst>
   </p:cSld>
@@ -4065,7 +4067,7 @@
     </p:spTree>
     <p:extLst>
       <p:ext uri="{BB962C8B-B14F-4D97-AF65-F5344CB8AC3E}">
-        <p14:creationId xmlns:p14="http://schemas.microsoft.com/office/powerpoint/2010/main" val="2126616663"/>
+        <p14:creationId xmlns:p14="http://schemas.microsoft.com/office/powerpoint/2010/main" val="2306533418"/>
       </p:ext>
     </p:extLst>
   </p:cSld>
@@ -4343,7 +4345,7 @@
     </p:spTree>
     <p:extLst>
       <p:ext uri="{BB962C8B-B14F-4D97-AF65-F5344CB8AC3E}">
-        <p14:creationId xmlns:p14="http://schemas.microsoft.com/office/powerpoint/2010/main" val="1624348447"/>
+        <p14:creationId xmlns:p14="http://schemas.microsoft.com/office/powerpoint/2010/main" val="4222461762"/>
       </p:ext>
     </p:extLst>
   </p:cSld>
@@ -4652,7 +4654,7 @@
     </p:spTree>
     <p:extLst>
       <p:ext uri="{BB962C8B-B14F-4D97-AF65-F5344CB8AC3E}">
-        <p14:creationId xmlns:p14="http://schemas.microsoft.com/office/powerpoint/2010/main" val="3516840287"/>
+        <p14:creationId xmlns:p14="http://schemas.microsoft.com/office/powerpoint/2010/main" val="1042159549"/>
       </p:ext>
     </p:extLst>
   </p:cSld>
@@ -5046,7 +5048,7 @@
     </p:spTree>
     <p:extLst>
       <p:ext uri="{BB962C8B-B14F-4D97-AF65-F5344CB8AC3E}">
-        <p14:creationId xmlns:p14="http://schemas.microsoft.com/office/powerpoint/2010/main" val="3720580343"/>
+        <p14:creationId xmlns:p14="http://schemas.microsoft.com/office/powerpoint/2010/main" val="414177319"/>
       </p:ext>
     </p:extLst>
   </p:cSld>
@@ -5417,7 +5419,7 @@
     </p:spTree>
     <p:extLst>
       <p:ext uri="{BB962C8B-B14F-4D97-AF65-F5344CB8AC3E}">
-        <p14:creationId xmlns:p14="http://schemas.microsoft.com/office/powerpoint/2010/main" val="3745826939"/>
+        <p14:creationId xmlns:p14="http://schemas.microsoft.com/office/powerpoint/2010/main" val="4780248"/>
       </p:ext>
     </p:extLst>
   </p:cSld>
@@ -5923,7 +5925,7 @@
     </p:spTree>
     <p:extLst>
       <p:ext uri="{BB962C8B-B14F-4D97-AF65-F5344CB8AC3E}">
-        <p14:creationId xmlns:p14="http://schemas.microsoft.com/office/powerpoint/2010/main" val="3398658495"/>
+        <p14:creationId xmlns:p14="http://schemas.microsoft.com/office/powerpoint/2010/main" val="637070305"/>
       </p:ext>
     </p:extLst>
   </p:cSld>
@@ -6180,7 +6182,7 @@
     </p:spTree>
     <p:extLst>
       <p:ext uri="{BB962C8B-B14F-4D97-AF65-F5344CB8AC3E}">
-        <p14:creationId xmlns:p14="http://schemas.microsoft.com/office/powerpoint/2010/main" val="3281156475"/>
+        <p14:creationId xmlns:p14="http://schemas.microsoft.com/office/powerpoint/2010/main" val="241040027"/>
       </p:ext>
     </p:extLst>
   </p:cSld>
@@ -6343,7 +6345,7 @@
     </p:spTree>
     <p:extLst>
       <p:ext uri="{BB962C8B-B14F-4D97-AF65-F5344CB8AC3E}">
-        <p14:creationId xmlns:p14="http://schemas.microsoft.com/office/powerpoint/2010/main" val="877103518"/>
+        <p14:creationId xmlns:p14="http://schemas.microsoft.com/office/powerpoint/2010/main" val="3562317445"/>
       </p:ext>
     </p:extLst>
   </p:cSld>
@@ -6733,7 +6735,7 @@
     </p:spTree>
     <p:extLst>
       <p:ext uri="{BB962C8B-B14F-4D97-AF65-F5344CB8AC3E}">
-        <p14:creationId xmlns:p14="http://schemas.microsoft.com/office/powerpoint/2010/main" val="1961023289"/>
+        <p14:creationId xmlns:p14="http://schemas.microsoft.com/office/powerpoint/2010/main" val="632257485"/>
       </p:ext>
     </p:extLst>
   </p:cSld>
@@ -7142,7 +7144,7 @@
     </p:spTree>
     <p:extLst>
       <p:ext uri="{BB962C8B-B14F-4D97-AF65-F5344CB8AC3E}">
-        <p14:creationId xmlns:p14="http://schemas.microsoft.com/office/powerpoint/2010/main" val="4170894496"/>
+        <p14:creationId xmlns:p14="http://schemas.microsoft.com/office/powerpoint/2010/main" val="2647206755"/>
       </p:ext>
     </p:extLst>
   </p:cSld>
@@ -7422,29 +7424,29 @@
     </p:spTree>
     <p:extLst>
       <p:ext uri="{BB962C8B-B14F-4D97-AF65-F5344CB8AC3E}">
-        <p14:creationId xmlns:p14="http://schemas.microsoft.com/office/powerpoint/2010/main" val="2787300046"/>
+        <p14:creationId xmlns:p14="http://schemas.microsoft.com/office/powerpoint/2010/main" val="3648596909"/>
       </p:ext>
     </p:extLst>
   </p:cSld>
   <p:clrMap bg1="dk1" tx1="lt1" bg2="dk2" tx2="lt2" accent1="accent1" accent2="accent2" accent3="accent3" accent4="accent4" accent5="accent5" accent6="accent6" hlink="hlink" folHlink="folHlink"/>
   <p:sldLayoutIdLst>
-    <p:sldLayoutId id="2147483661" r:id="rId1"/>
-    <p:sldLayoutId id="2147483662" r:id="rId2"/>
-    <p:sldLayoutId id="2147483663" r:id="rId3"/>
-    <p:sldLayoutId id="2147483664" r:id="rId4"/>
-    <p:sldLayoutId id="2147483665" r:id="rId5"/>
-    <p:sldLayoutId id="2147483666" r:id="rId6"/>
-    <p:sldLayoutId id="2147483667" r:id="rId7"/>
-    <p:sldLayoutId id="2147483668" r:id="rId8"/>
-    <p:sldLayoutId id="2147483669" r:id="rId9"/>
-    <p:sldLayoutId id="2147483670" r:id="rId10"/>
-    <p:sldLayoutId id="2147483671" r:id="rId11"/>
-    <p:sldLayoutId id="2147483672" r:id="rId12"/>
-    <p:sldLayoutId id="2147483673" r:id="rId13"/>
-    <p:sldLayoutId id="2147483674" r:id="rId14"/>
-    <p:sldLayoutId id="2147483675" r:id="rId15"/>
-    <p:sldLayoutId id="2147483676" r:id="rId16"/>
-    <p:sldLayoutId id="2147483677" r:id="rId17"/>
+    <p:sldLayoutId id="2147483697" r:id="rId1"/>
+    <p:sldLayoutId id="2147483698" r:id="rId2"/>
+    <p:sldLayoutId id="2147483699" r:id="rId3"/>
+    <p:sldLayoutId id="2147483700" r:id="rId4"/>
+    <p:sldLayoutId id="2147483701" r:id="rId5"/>
+    <p:sldLayoutId id="2147483702" r:id="rId6"/>
+    <p:sldLayoutId id="2147483703" r:id="rId7"/>
+    <p:sldLayoutId id="2147483704" r:id="rId8"/>
+    <p:sldLayoutId id="2147483705" r:id="rId9"/>
+    <p:sldLayoutId id="2147483706" r:id="rId10"/>
+    <p:sldLayoutId id="2147483707" r:id="rId11"/>
+    <p:sldLayoutId id="2147483708" r:id="rId12"/>
+    <p:sldLayoutId id="2147483709" r:id="rId13"/>
+    <p:sldLayoutId id="2147483710" r:id="rId14"/>
+    <p:sldLayoutId id="2147483711" r:id="rId15"/>
+    <p:sldLayoutId id="2147483712" r:id="rId16"/>
+    <p:sldLayoutId id="2147483713" r:id="rId17"/>
   </p:sldLayoutIdLst>
   <p:txStyles>
     <p:titleStyle>
@@ -7732,6 +7734,62 @@
 <file path=ppt/slides/slide1.xml><?xml version="1.0" encoding="utf-8"?>
 <p:sld xmlns:a="http://schemas.openxmlformats.org/drawingml/2006/main" xmlns:r="http://schemas.openxmlformats.org/officeDocument/2006/relationships" xmlns:p="http://schemas.openxmlformats.org/presentationml/2006/main">
   <p:cSld>
+    <p:bg>
+      <p:bgPr>
+        <a:gradFill rotWithShape="1">
+          <a:gsLst>
+            <a:gs pos="75016">
+              <a:srgbClr val="58231F"/>
+            </a:gs>
+            <a:gs pos="44003">
+              <a:srgbClr val="D94B0D"/>
+            </a:gs>
+            <a:gs pos="26010">
+              <a:srgbClr val="E56417"/>
+            </a:gs>
+            <a:gs pos="20012">
+              <a:srgbClr val="E96C1A"/>
+            </a:gs>
+            <a:gs pos="16000">
+              <a:srgbClr val="EC721C"/>
+            </a:gs>
+            <a:gs pos="16000">
+              <a:srgbClr val="EC721C"/>
+            </a:gs>
+            <a:gs pos="64000">
+              <a:srgbClr val="41332D"/>
+            </a:gs>
+            <a:gs pos="0">
+              <a:schemeClr val="bg2">
+                <a:tint val="96000"/>
+                <a:shade val="100000"/>
+                <a:hueMod val="270000"/>
+                <a:satMod val="200000"/>
+                <a:lumMod val="128000"/>
+              </a:schemeClr>
+            </a:gs>
+            <a:gs pos="50000">
+              <a:schemeClr val="bg2">
+                <a:shade val="100000"/>
+                <a:hueMod val="100000"/>
+                <a:satMod val="110000"/>
+                <a:lumMod val="130000"/>
+              </a:schemeClr>
+            </a:gs>
+            <a:gs pos="100000">
+              <a:schemeClr val="bg2">
+                <a:shade val="78000"/>
+                <a:hueMod val="44000"/>
+                <a:satMod val="200000"/>
+                <a:lumMod val="69000"/>
+              </a:schemeClr>
+            </a:gs>
+          </a:gsLst>
+          <a:lin ang="2520000" scaled="0"/>
+        </a:gradFill>
+        <a:effectLst/>
+      </p:bgPr>
+    </p:bg>
     <p:spTree>
       <p:nvGrpSpPr>
         <p:cNvPr id="1" name=""/>
@@ -7799,7 +7857,7 @@
           <a:p>
             <a:r>
               <a:rPr lang="en-US" dirty="0"/>
-              <a:t>Like Tinder? Your </a:t>
+              <a:t>Like Tinder? You‘re </a:t>
             </a:r>
             <a:r>
               <a:rPr lang="en-US" dirty="0" err="1"/>
@@ -7812,6 +7870,36 @@
           </a:p>
         </p:txBody>
       </p:sp>
+      <p:pic>
+        <p:nvPicPr>
+          <p:cNvPr id="5" name="Picture 4" descr="Icon&#10;&#10;Description automatically generated">
+            <a:extLst>
+              <a:ext uri="{FF2B5EF4-FFF2-40B4-BE49-F238E27FC236}">
+                <a16:creationId xmlns:a16="http://schemas.microsoft.com/office/drawing/2014/main" id="{8834CB6F-CB5C-68CE-D076-253B31618382}"/>
+              </a:ext>
+            </a:extLst>
+          </p:cNvPr>
+          <p:cNvPicPr>
+            <a:picLocks noChangeAspect="1"/>
+          </p:cNvPicPr>
+          <p:nvPr/>
+        </p:nvPicPr>
+        <p:blipFill>
+          <a:blip r:embed="rId2"/>
+          <a:stretch>
+            <a:fillRect/>
+          </a:stretch>
+        </p:blipFill>
+        <p:spPr>
+          <a:xfrm>
+            <a:off x="0" y="2381605"/>
+            <a:ext cx="2077278" cy="2077278"/>
+          </a:xfrm>
+          <a:prstGeom prst="rect">
+            <a:avLst/>
+          </a:prstGeom>
+        </p:spPr>
+      </p:pic>
     </p:spTree>
     <p:extLst>
       <p:ext uri="{BB962C8B-B14F-4D97-AF65-F5344CB8AC3E}">
@@ -7973,7 +8061,71 @@
           <a:p>
             <a:r>
               <a:rPr lang="en-US" dirty="0"/>
-              <a:t>Are you tired of finding recipes that match your needs</a:t>
+              <a:t>Are you tired of finding recipes that don’t match your needs?</a:t>
+            </a:r>
+          </a:p>
+        </p:txBody>
+      </p:sp>
+      <p:sp>
+        <p:nvSpPr>
+          <p:cNvPr id="7" name="Title 1">
+            <a:extLst>
+              <a:ext uri="{FF2B5EF4-FFF2-40B4-BE49-F238E27FC236}">
+                <a16:creationId xmlns:a16="http://schemas.microsoft.com/office/drawing/2014/main" id="{C395FC94-EFF5-7169-6F10-114B39F6F831}"/>
+              </a:ext>
+            </a:extLst>
+          </p:cNvPr>
+          <p:cNvSpPr txBox="1">
+            <a:spLocks/>
+          </p:cNvSpPr>
+          <p:nvPr/>
+        </p:nvSpPr>
+        <p:spPr>
+          <a:xfrm>
+            <a:off x="680320" y="4588933"/>
+            <a:ext cx="9807058" cy="1171528"/>
+          </a:xfrm>
+          <a:prstGeom prst="rect">
+            <a:avLst/>
+          </a:prstGeom>
+        </p:spPr>
+        <p:txBody>
+          <a:bodyPr vert="horz" lIns="91440" tIns="45720" rIns="91440" bIns="45720" rtlCol="0" anchor="ctr">
+            <a:normAutofit/>
+          </a:bodyPr>
+          <a:lstStyle>
+            <a:lvl1pPr algn="l" defTabSz="914400" rtl="0" eaLnBrk="1" latinLnBrk="0" hangingPunct="1">
+              <a:lnSpc>
+                <a:spcPct val="90000"/>
+              </a:lnSpc>
+              <a:spcBef>
+                <a:spcPct val="0"/>
+              </a:spcBef>
+              <a:buNone/>
+              <a:defRPr sz="3600" kern="1200">
+                <a:solidFill>
+                  <a:schemeClr val="tx1"/>
+                </a:solidFill>
+                <a:latin typeface="+mj-lt"/>
+                <a:ea typeface="+mj-ea"/>
+                <a:cs typeface="+mj-cs"/>
+              </a:defRPr>
+            </a:lvl1pPr>
+          </a:lstStyle>
+          <a:p>
+            <a:r>
+              <a:rPr lang="en-US" dirty="0"/>
+              <a:t>We present to you </a:t>
+            </a:r>
+            <a:r>
+              <a:rPr lang="en-US" dirty="0">
+                <a:solidFill>
+                  <a:srgbClr val="FF6D00"/>
+                </a:solidFill>
+                <a:latin typeface="Times New Roman" panose="02020603050405020304" pitchFamily="18" charset="0"/>
+                <a:cs typeface="Times New Roman" panose="02020603050405020304" pitchFamily="18" charset="0"/>
+              </a:rPr>
+              <a:t>RECIPE FINDER</a:t>
             </a:r>
           </a:p>
         </p:txBody>
@@ -7988,6 +8140,261 @@
   <p:clrMapOvr>
     <a:masterClrMapping/>
   </p:clrMapOvr>
+  <p:timing>
+    <p:tnLst>
+      <p:par>
+        <p:cTn id="1" dur="indefinite" restart="never" nodeType="tmRoot">
+          <p:childTnLst>
+            <p:seq concurrent="1" nextAc="seek">
+              <p:cTn id="2" dur="indefinite" nodeType="mainSeq">
+                <p:childTnLst>
+                  <p:par>
+                    <p:cTn id="3" fill="hold">
+                      <p:stCondLst>
+                        <p:cond delay="indefinite"/>
+                      </p:stCondLst>
+                      <p:childTnLst>
+                        <p:par>
+                          <p:cTn id="4" fill="hold">
+                            <p:stCondLst>
+                              <p:cond delay="0"/>
+                            </p:stCondLst>
+                            <p:childTnLst>
+                              <p:par>
+                                <p:cTn id="5" presetID="9" presetClass="entr" presetSubtype="0" fill="hold" grpId="0" nodeType="clickEffect">
+                                  <p:stCondLst>
+                                    <p:cond delay="0"/>
+                                  </p:stCondLst>
+                                  <p:childTnLst>
+                                    <p:set>
+                                      <p:cBhvr>
+                                        <p:cTn id="6" dur="1" fill="hold">
+                                          <p:stCondLst>
+                                            <p:cond delay="0"/>
+                                          </p:stCondLst>
+                                        </p:cTn>
+                                        <p:tgtEl>
+                                          <p:spTgt spid="2"/>
+                                        </p:tgtEl>
+                                        <p:attrNameLst>
+                                          <p:attrName>style.visibility</p:attrName>
+                                        </p:attrNameLst>
+                                      </p:cBhvr>
+                                      <p:to>
+                                        <p:strVal val="visible"/>
+                                      </p:to>
+                                    </p:set>
+                                    <p:animEffect transition="in" filter="dissolve">
+                                      <p:cBhvr>
+                                        <p:cTn id="7" dur="500"/>
+                                        <p:tgtEl>
+                                          <p:spTgt spid="2"/>
+                                        </p:tgtEl>
+                                      </p:cBhvr>
+                                    </p:animEffect>
+                                  </p:childTnLst>
+                                </p:cTn>
+                              </p:par>
+                            </p:childTnLst>
+                          </p:cTn>
+                        </p:par>
+                      </p:childTnLst>
+                    </p:cTn>
+                  </p:par>
+                  <p:par>
+                    <p:cTn id="8" fill="hold">
+                      <p:stCondLst>
+                        <p:cond delay="indefinite"/>
+                      </p:stCondLst>
+                      <p:childTnLst>
+                        <p:par>
+                          <p:cTn id="9" fill="hold">
+                            <p:stCondLst>
+                              <p:cond delay="0"/>
+                            </p:stCondLst>
+                            <p:childTnLst>
+                              <p:par>
+                                <p:cTn id="10" presetID="9" presetClass="entr" presetSubtype="0" fill="hold" grpId="0" nodeType="clickEffect">
+                                  <p:stCondLst>
+                                    <p:cond delay="0"/>
+                                  </p:stCondLst>
+                                  <p:childTnLst>
+                                    <p:set>
+                                      <p:cBhvr>
+                                        <p:cTn id="11" dur="1" fill="hold">
+                                          <p:stCondLst>
+                                            <p:cond delay="0"/>
+                                          </p:stCondLst>
+                                        </p:cTn>
+                                        <p:tgtEl>
+                                          <p:spTgt spid="4"/>
+                                        </p:tgtEl>
+                                        <p:attrNameLst>
+                                          <p:attrName>style.visibility</p:attrName>
+                                        </p:attrNameLst>
+                                      </p:cBhvr>
+                                      <p:to>
+                                        <p:strVal val="visible"/>
+                                      </p:to>
+                                    </p:set>
+                                    <p:animEffect transition="in" filter="dissolve">
+                                      <p:cBhvr>
+                                        <p:cTn id="12" dur="500"/>
+                                        <p:tgtEl>
+                                          <p:spTgt spid="4"/>
+                                        </p:tgtEl>
+                                      </p:cBhvr>
+                                    </p:animEffect>
+                                  </p:childTnLst>
+                                </p:cTn>
+                              </p:par>
+                            </p:childTnLst>
+                          </p:cTn>
+                        </p:par>
+                      </p:childTnLst>
+                    </p:cTn>
+                  </p:par>
+                  <p:par>
+                    <p:cTn id="13" fill="hold">
+                      <p:stCondLst>
+                        <p:cond delay="indefinite"/>
+                      </p:stCondLst>
+                      <p:childTnLst>
+                        <p:par>
+                          <p:cTn id="14" fill="hold">
+                            <p:stCondLst>
+                              <p:cond delay="0"/>
+                            </p:stCondLst>
+                            <p:childTnLst>
+                              <p:par>
+                                <p:cTn id="15" presetID="9" presetClass="entr" presetSubtype="0" fill="hold" nodeType="clickEffect">
+                                  <p:stCondLst>
+                                    <p:cond delay="0"/>
+                                  </p:stCondLst>
+                                  <p:childTnLst>
+                                    <p:set>
+                                      <p:cBhvr>
+                                        <p:cTn id="16" dur="1" fill="hold">
+                                          <p:stCondLst>
+                                            <p:cond delay="0"/>
+                                          </p:stCondLst>
+                                        </p:cTn>
+                                        <p:tgtEl>
+                                          <p:spTgt spid="5">
+                                            <p:txEl>
+                                              <p:pRg st="0" end="0"/>
+                                            </p:txEl>
+                                          </p:spTgt>
+                                        </p:tgtEl>
+                                        <p:attrNameLst>
+                                          <p:attrName>style.visibility</p:attrName>
+                                        </p:attrNameLst>
+                                      </p:cBhvr>
+                                      <p:to>
+                                        <p:strVal val="visible"/>
+                                      </p:to>
+                                    </p:set>
+                                    <p:animEffect transition="in" filter="dissolve">
+                                      <p:cBhvr>
+                                        <p:cTn id="17" dur="500"/>
+                                        <p:tgtEl>
+                                          <p:spTgt spid="5">
+                                            <p:txEl>
+                                              <p:pRg st="0" end="0"/>
+                                            </p:txEl>
+                                          </p:spTgt>
+                                        </p:tgtEl>
+                                      </p:cBhvr>
+                                    </p:animEffect>
+                                  </p:childTnLst>
+                                </p:cTn>
+                              </p:par>
+                            </p:childTnLst>
+                          </p:cTn>
+                        </p:par>
+                      </p:childTnLst>
+                    </p:cTn>
+                  </p:par>
+                  <p:par>
+                    <p:cTn id="18" fill="hold">
+                      <p:stCondLst>
+                        <p:cond delay="indefinite"/>
+                      </p:stCondLst>
+                      <p:childTnLst>
+                        <p:par>
+                          <p:cTn id="19" fill="hold">
+                            <p:stCondLst>
+                              <p:cond delay="0"/>
+                            </p:stCondLst>
+                            <p:childTnLst>
+                              <p:par>
+                                <p:cTn id="20" presetID="9" presetClass="entr" presetSubtype="0" fill="hold" grpId="0" nodeType="clickEffect">
+                                  <p:stCondLst>
+                                    <p:cond delay="0"/>
+                                  </p:stCondLst>
+                                  <p:childTnLst>
+                                    <p:set>
+                                      <p:cBhvr>
+                                        <p:cTn id="21" dur="1" fill="hold">
+                                          <p:stCondLst>
+                                            <p:cond delay="0"/>
+                                          </p:stCondLst>
+                                        </p:cTn>
+                                        <p:tgtEl>
+                                          <p:spTgt spid="7"/>
+                                        </p:tgtEl>
+                                        <p:attrNameLst>
+                                          <p:attrName>style.visibility</p:attrName>
+                                        </p:attrNameLst>
+                                      </p:cBhvr>
+                                      <p:to>
+                                        <p:strVal val="visible"/>
+                                      </p:to>
+                                    </p:set>
+                                    <p:animEffect transition="in" filter="dissolve">
+                                      <p:cBhvr>
+                                        <p:cTn id="22" dur="500"/>
+                                        <p:tgtEl>
+                                          <p:spTgt spid="7"/>
+                                        </p:tgtEl>
+                                      </p:cBhvr>
+                                    </p:animEffect>
+                                  </p:childTnLst>
+                                </p:cTn>
+                              </p:par>
+                            </p:childTnLst>
+                          </p:cTn>
+                        </p:par>
+                      </p:childTnLst>
+                    </p:cTn>
+                  </p:par>
+                </p:childTnLst>
+              </p:cTn>
+              <p:prevCondLst>
+                <p:cond evt="onPrev" delay="0">
+                  <p:tgtEl>
+                    <p:sldTgt/>
+                  </p:tgtEl>
+                </p:cond>
+              </p:prevCondLst>
+              <p:nextCondLst>
+                <p:cond evt="onNext" delay="0">
+                  <p:tgtEl>
+                    <p:sldTgt/>
+                  </p:tgtEl>
+                </p:cond>
+              </p:nextCondLst>
+            </p:seq>
+          </p:childTnLst>
+        </p:cTn>
+      </p:par>
+    </p:tnLst>
+    <p:bldLst>
+      <p:bldP spid="2" grpId="0"/>
+      <p:bldP spid="4" grpId="0"/>
+      <p:bldP spid="7" grpId="0"/>
+    </p:bldLst>
+  </p:timing>
 </p:sld>
 </file>
 
@@ -8029,7 +8436,10 @@
           <a:bodyPr/>
           <a:lstStyle/>
           <a:p>
-            <a:endParaRPr lang="en-US"/>
+            <a:r>
+              <a:rPr lang="en-US" dirty="0"/>
+              <a:t>RECIPE FINDER</a:t>
+            </a:r>
           </a:p>
         </p:txBody>
       </p:sp>
@@ -8049,12 +8459,52 @@
             <p:ph idx="1"/>
           </p:nvPr>
         </p:nvSpPr>
-        <p:spPr/>
-        <p:txBody>
-          <a:bodyPr/>
+        <p:spPr>
+          <a:xfrm>
+            <a:off x="510988" y="2111094"/>
+            <a:ext cx="10665013" cy="4097794"/>
+          </a:xfrm>
+        </p:spPr>
+        <p:txBody>
+          <a:bodyPr>
+            <a:noAutofit/>
+          </a:bodyPr>
           <a:lstStyle/>
           <a:p>
-            <a:endParaRPr lang="en-US"/>
+            <a:r>
+              <a:rPr lang="en-US" sz="2800" dirty="0"/>
+              <a:t>Your one stop app for all your food needs!</a:t>
+            </a:r>
+          </a:p>
+          <a:p>
+            <a:r>
+              <a:rPr lang="en-US" sz="2800" dirty="0"/>
+              <a:t>New Recipes updated regularly</a:t>
+            </a:r>
+          </a:p>
+          <a:p>
+            <a:r>
+              <a:rPr lang="en-US" sz="2800" dirty="0"/>
+              <a:t>Have specific dietary restrictions? Our algorithm sorts through to find recipes perfect for you</a:t>
+            </a:r>
+          </a:p>
+          <a:p>
+            <a:r>
+              <a:rPr lang="en-US" sz="2800" dirty="0"/>
+              <a:t>Have cuisine cravings just choose the cuisine you want to eat and we got you covered</a:t>
+            </a:r>
+          </a:p>
+          <a:p>
+            <a:r>
+              <a:rPr lang="en-US" sz="2800" dirty="0"/>
+              <a:t>Nutrition conscious? No problem all are recipes come with detailed nutrition contents</a:t>
+            </a:r>
+          </a:p>
+          <a:p>
+            <a:r>
+              <a:rPr lang="en-US" sz="2800" dirty="0"/>
+              <a:t>On a time crunch? All are recipes show you accurate preparation time so you can choose what matches your needs</a:t>
+            </a:r>
           </a:p>
         </p:txBody>
       </p:sp>
@@ -8093,6 +8543,279 @@
           <p:cNvPr id="2" name="Title 1">
             <a:extLst>
               <a:ext uri="{FF2B5EF4-FFF2-40B4-BE49-F238E27FC236}">
+                <a16:creationId xmlns:a16="http://schemas.microsoft.com/office/drawing/2014/main" id="{01252C9E-4344-2964-0B0D-F020094F893B}"/>
+              </a:ext>
+            </a:extLst>
+          </p:cNvPr>
+          <p:cNvSpPr>
+            <a:spLocks noGrp="1"/>
+          </p:cNvSpPr>
+          <p:nvPr>
+            <p:ph type="title"/>
+          </p:nvPr>
+        </p:nvSpPr>
+        <p:spPr/>
+        <p:txBody>
+          <a:bodyPr/>
+          <a:lstStyle/>
+          <a:p>
+            <a:r>
+              <a:rPr lang="en-US" dirty="0"/>
+              <a:t>The Tech Stuff</a:t>
+            </a:r>
+          </a:p>
+        </p:txBody>
+      </p:sp>
+      <p:sp>
+        <p:nvSpPr>
+          <p:cNvPr id="3" name="Content Placeholder 2">
+            <a:extLst>
+              <a:ext uri="{FF2B5EF4-FFF2-40B4-BE49-F238E27FC236}">
+                <a16:creationId xmlns:a16="http://schemas.microsoft.com/office/drawing/2014/main" id="{9943555A-F83F-47F3-F6E5-45B95F5FE723}"/>
+              </a:ext>
+            </a:extLst>
+          </p:cNvPr>
+          <p:cNvSpPr>
+            <a:spLocks noGrp="1"/>
+          </p:cNvSpPr>
+          <p:nvPr>
+            <p:ph idx="1"/>
+          </p:nvPr>
+        </p:nvSpPr>
+        <p:spPr>
+          <a:xfrm>
+            <a:off x="293511" y="2065866"/>
+            <a:ext cx="11424356" cy="4154311"/>
+          </a:xfrm>
+        </p:spPr>
+        <p:txBody>
+          <a:bodyPr>
+            <a:noAutofit/>
+          </a:bodyPr>
+          <a:lstStyle/>
+          <a:p>
+            <a:r>
+              <a:rPr lang="en-US" sz="2600" dirty="0"/>
+              <a:t>Uses a </a:t>
+            </a:r>
+            <a:r>
+              <a:rPr lang="en-US" sz="2600" dirty="0" err="1"/>
+              <a:t>mongodb</a:t>
+            </a:r>
+            <a:r>
+              <a:rPr lang="en-US" sz="2600" dirty="0"/>
+              <a:t> database</a:t>
+            </a:r>
+          </a:p>
+          <a:p>
+            <a:r>
+              <a:rPr lang="en-US" sz="2600" dirty="0"/>
+              <a:t>Uses firebase to keep user information secure</a:t>
+            </a:r>
+          </a:p>
+          <a:p>
+            <a:r>
+              <a:rPr lang="en-US" sz="2600" dirty="0"/>
+              <a:t>Uses Django with rest API</a:t>
+            </a:r>
+          </a:p>
+          <a:p>
+            <a:r>
+              <a:rPr lang="en-US" sz="2600" dirty="0"/>
+              <a:t>Uses React and CSS</a:t>
+            </a:r>
+          </a:p>
+          <a:p>
+            <a:r>
+              <a:rPr lang="en-US" sz="2600" dirty="0"/>
+              <a:t>Hosted on google cloud</a:t>
+            </a:r>
+          </a:p>
+          <a:p>
+            <a:r>
+              <a:rPr lang="en-US" sz="2600" dirty="0"/>
+              <a:t>Uses a custom web scrapper</a:t>
+            </a:r>
+          </a:p>
+          <a:p>
+            <a:r>
+              <a:rPr lang="en-US" sz="2600" dirty="0"/>
+              <a:t>Uses an algorithm to display preferred </a:t>
+            </a:r>
+            <a:r>
+              <a:rPr lang="en-US" sz="2600"/>
+              <a:t>dishes first</a:t>
+            </a:r>
+            <a:endParaRPr lang="en-US" sz="2600" dirty="0"/>
+          </a:p>
+        </p:txBody>
+      </p:sp>
+    </p:spTree>
+    <p:extLst>
+      <p:ext uri="{BB962C8B-B14F-4D97-AF65-F5344CB8AC3E}">
+        <p14:creationId xmlns:p14="http://schemas.microsoft.com/office/powerpoint/2010/main" val="3242891766"/>
+      </p:ext>
+    </p:extLst>
+  </p:cSld>
+  <p:clrMapOvr>
+    <a:masterClrMapping/>
+  </p:clrMapOvr>
+</p:sld>
+</file>
+
+<file path=ppt/slides/slide5.xml><?xml version="1.0" encoding="utf-8"?>
+<p:sld xmlns:a="http://schemas.openxmlformats.org/drawingml/2006/main" xmlns:r="http://schemas.openxmlformats.org/officeDocument/2006/relationships" xmlns:p="http://schemas.openxmlformats.org/presentationml/2006/main">
+  <p:cSld>
+    <p:spTree>
+      <p:nvGrpSpPr>
+        <p:cNvPr id="1" name=""/>
+        <p:cNvGrpSpPr/>
+        <p:nvPr/>
+      </p:nvGrpSpPr>
+      <p:grpSpPr>
+        <a:xfrm>
+          <a:off x="0" y="0"/>
+          <a:ext cx="0" cy="0"/>
+          <a:chOff x="0" y="0"/>
+          <a:chExt cx="0" cy="0"/>
+        </a:xfrm>
+      </p:grpSpPr>
+      <p:sp>
+        <p:nvSpPr>
+          <p:cNvPr id="2" name="Title 1">
+            <a:extLst>
+              <a:ext uri="{FF2B5EF4-FFF2-40B4-BE49-F238E27FC236}">
+                <a16:creationId xmlns:a16="http://schemas.microsoft.com/office/drawing/2014/main" id="{3C2E9C45-9961-BFC4-B240-F0D8A8B29058}"/>
+              </a:ext>
+            </a:extLst>
+          </p:cNvPr>
+          <p:cNvSpPr>
+            <a:spLocks noGrp="1"/>
+          </p:cNvSpPr>
+          <p:nvPr>
+            <p:ph type="title"/>
+          </p:nvPr>
+        </p:nvSpPr>
+        <p:spPr/>
+        <p:txBody>
+          <a:bodyPr/>
+          <a:lstStyle/>
+          <a:p>
+            <a:r>
+              <a:rPr lang="en-US" dirty="0"/>
+              <a:t>Our Prototype Today</a:t>
+            </a:r>
+          </a:p>
+        </p:txBody>
+      </p:sp>
+      <p:sp>
+        <p:nvSpPr>
+          <p:cNvPr id="3" name="Content Placeholder 2">
+            <a:extLst>
+              <a:ext uri="{FF2B5EF4-FFF2-40B4-BE49-F238E27FC236}">
+                <a16:creationId xmlns:a16="http://schemas.microsoft.com/office/drawing/2014/main" id="{92FE54DB-26D2-D8E6-AF6D-0BAE795CB224}"/>
+              </a:ext>
+            </a:extLst>
+          </p:cNvPr>
+          <p:cNvSpPr>
+            <a:spLocks noGrp="1"/>
+          </p:cNvSpPr>
+          <p:nvPr>
+            <p:ph idx="1"/>
+          </p:nvPr>
+        </p:nvSpPr>
+        <p:spPr>
+          <a:xfrm>
+            <a:off x="406400" y="2133600"/>
+            <a:ext cx="11288889" cy="4301067"/>
+          </a:xfrm>
+        </p:spPr>
+        <p:txBody>
+          <a:bodyPr>
+            <a:noAutofit/>
+          </a:bodyPr>
+          <a:lstStyle/>
+          <a:p>
+            <a:r>
+              <a:rPr lang="en-US" sz="2600" dirty="0"/>
+              <a:t>Web application made with React, CSS, JavaScript, and Node.js. </a:t>
+            </a:r>
+          </a:p>
+          <a:p>
+            <a:r>
+              <a:rPr lang="en-US" sz="2600" dirty="0"/>
+              <a:t>Backend is built on python uses Django API and CSV &amp; </a:t>
+            </a:r>
+            <a:r>
+              <a:rPr lang="en-US" sz="2600" dirty="0" err="1"/>
+              <a:t>Json</a:t>
+            </a:r>
+            <a:r>
+              <a:rPr lang="en-US" sz="2600" dirty="0"/>
+              <a:t> databases</a:t>
+            </a:r>
+          </a:p>
+          <a:p>
+            <a:r>
+              <a:rPr lang="en-US" sz="2600" dirty="0"/>
+              <a:t>Uses firebase for secure authentication for user logins. </a:t>
+            </a:r>
+          </a:p>
+          <a:p>
+            <a:r>
+              <a:rPr lang="en-US" sz="2600" dirty="0"/>
+              <a:t>Algorithm used considers parameters like allergens, cuisine preference and meal type </a:t>
+            </a:r>
+          </a:p>
+          <a:p>
+            <a:r>
+              <a:rPr lang="en-US" sz="2600" dirty="0"/>
+              <a:t>Displays recipes in stack format arranged in order of user rating</a:t>
+            </a:r>
+          </a:p>
+          <a:p>
+            <a:r>
+              <a:rPr lang="en-US" sz="2600" dirty="0"/>
+              <a:t>The recipes are also tagged based on the ingredients (for ex: gluten free would be a tag if the recipe does not have any gluten</a:t>
+            </a:r>
+          </a:p>
+        </p:txBody>
+      </p:sp>
+    </p:spTree>
+    <p:extLst>
+      <p:ext uri="{BB962C8B-B14F-4D97-AF65-F5344CB8AC3E}">
+        <p14:creationId xmlns:p14="http://schemas.microsoft.com/office/powerpoint/2010/main" val="3122597308"/>
+      </p:ext>
+    </p:extLst>
+  </p:cSld>
+  <p:clrMapOvr>
+    <a:masterClrMapping/>
+  </p:clrMapOvr>
+</p:sld>
+</file>
+
+<file path=ppt/slides/slide6.xml><?xml version="1.0" encoding="utf-8"?>
+<p:sld xmlns:a="http://schemas.openxmlformats.org/drawingml/2006/main" xmlns:r="http://schemas.openxmlformats.org/officeDocument/2006/relationships" xmlns:p="http://schemas.openxmlformats.org/presentationml/2006/main">
+  <p:cSld>
+    <p:spTree>
+      <p:nvGrpSpPr>
+        <p:cNvPr id="1" name=""/>
+        <p:cNvGrpSpPr/>
+        <p:nvPr/>
+      </p:nvGrpSpPr>
+      <p:grpSpPr>
+        <a:xfrm>
+          <a:off x="0" y="0"/>
+          <a:ext cx="0" cy="0"/>
+          <a:chOff x="0" y="0"/>
+          <a:chExt cx="0" cy="0"/>
+        </a:xfrm>
+      </p:grpSpPr>
+      <p:sp>
+        <p:nvSpPr>
+          <p:cNvPr id="2" name="Title 1">
+            <a:extLst>
+              <a:ext uri="{FF2B5EF4-FFF2-40B4-BE49-F238E27FC236}">
                 <a16:creationId xmlns:a16="http://schemas.microsoft.com/office/drawing/2014/main" id="{1C32EDE6-D02B-CAF5-E329-395C201B1B07}"/>
               </a:ext>
             </a:extLst>
@@ -8104,7 +8827,7 @@
         </p:nvSpPr>
         <p:spPr>
           <a:xfrm>
-            <a:off x="736764" y="2449689"/>
+            <a:off x="691608" y="2348089"/>
             <a:ext cx="9807058" cy="1171528"/>
           </a:xfrm>
           <a:prstGeom prst="rect">
@@ -8158,7 +8881,7 @@
 <file path=ppt/theme/theme1.xml><?xml version="1.0" encoding="utf-8"?>
 <a:theme xmlns:a="http://schemas.openxmlformats.org/drawingml/2006/main" name="Berlin">
   <a:themeElements>
-    <a:clrScheme name="Berlin">
+    <a:clrScheme name="Yellow">
       <a:dk1>
         <a:sysClr val="windowText" lastClr="000000"/>
       </a:dk1>
@@ -8166,34 +8889,34 @@
         <a:sysClr val="window" lastClr="FFFFFF"/>
       </a:lt1>
       <a:dk2>
-        <a:srgbClr val="9D360E"/>
+        <a:srgbClr val="39302A"/>
       </a:dk2>
       <a:lt2>
-        <a:srgbClr val="E7E6E6"/>
+        <a:srgbClr val="E5DEDB"/>
       </a:lt2>
       <a:accent1>
-        <a:srgbClr val="F09415"/>
+        <a:srgbClr val="FFCA08"/>
       </a:accent1>
       <a:accent2>
-        <a:srgbClr val="C1B56B"/>
+        <a:srgbClr val="F8931D"/>
       </a:accent2>
       <a:accent3>
-        <a:srgbClr val="4BAF73"/>
+        <a:srgbClr val="CE8D3E"/>
       </a:accent3>
       <a:accent4>
-        <a:srgbClr val="5AA6C0"/>
+        <a:srgbClr val="EC7016"/>
       </a:accent4>
       <a:accent5>
-        <a:srgbClr val="D17DF9"/>
+        <a:srgbClr val="E64823"/>
       </a:accent5>
       <a:accent6>
-        <a:srgbClr val="FA7E5C"/>
+        <a:srgbClr val="9C6A6A"/>
       </a:accent6>
       <a:hlink>
-        <a:srgbClr val="FFAE3E"/>
+        <a:srgbClr val="2998E3"/>
       </a:hlink>
       <a:folHlink>
-        <a:srgbClr val="FCC77E"/>
+        <a:srgbClr val="7F723D"/>
       </a:folHlink>
     </a:clrScheme>
     <a:fontScheme name="Berlin">

--- a/Presentation.pptx
+++ b/Presentation.pptx
@@ -8,9 +8,11 @@
     <p:sldId id="256" r:id="rId2"/>
     <p:sldId id="257" r:id="rId3"/>
     <p:sldId id="258" r:id="rId4"/>
-    <p:sldId id="260" r:id="rId5"/>
-    <p:sldId id="261" r:id="rId6"/>
-    <p:sldId id="259" r:id="rId7"/>
+    <p:sldId id="261" r:id="rId5"/>
+    <p:sldId id="264" r:id="rId6"/>
+    <p:sldId id="262" r:id="rId7"/>
+    <p:sldId id="265" r:id="rId8"/>
+    <p:sldId id="259" r:id="rId9"/>
   </p:sldIdLst>
   <p:sldSz cx="12192000" cy="6858000"/>
   <p:notesSz cx="6858000" cy="9144000"/>
@@ -8131,6 +8133,9 @@
         </p:txBody>
       </p:sp>
     </p:spTree>
+    <p:custDataLst>
+      <p:tags r:id="rId1"/>
+    </p:custDataLst>
     <p:extLst>
       <p:ext uri="{BB962C8B-B14F-4D97-AF65-F5344CB8AC3E}">
         <p14:creationId xmlns:p14="http://schemas.microsoft.com/office/powerpoint/2010/main" val="720498933"/>
@@ -8543,7 +8548,7 @@
           <p:cNvPr id="2" name="Title 1">
             <a:extLst>
               <a:ext uri="{FF2B5EF4-FFF2-40B4-BE49-F238E27FC236}">
-                <a16:creationId xmlns:a16="http://schemas.microsoft.com/office/drawing/2014/main" id="{01252C9E-4344-2964-0B0D-F020094F893B}"/>
+                <a16:creationId xmlns:a16="http://schemas.microsoft.com/office/drawing/2014/main" id="{3C2E9C45-9961-BFC4-B240-F0D8A8B29058}"/>
               </a:ext>
             </a:extLst>
           </p:cNvPr>
@@ -8561,7 +8566,7 @@
           <a:p>
             <a:r>
               <a:rPr lang="en-US" dirty="0"/>
-              <a:t>The Tech Stuff</a:t>
+              <a:t>Our Prototype Today</a:t>
             </a:r>
           </a:p>
         </p:txBody>
@@ -8571,7 +8576,7 @@
           <p:cNvPr id="3" name="Content Placeholder 2">
             <a:extLst>
               <a:ext uri="{FF2B5EF4-FFF2-40B4-BE49-F238E27FC236}">
-                <a16:creationId xmlns:a16="http://schemas.microsoft.com/office/drawing/2014/main" id="{9943555A-F83F-47F3-F6E5-45B95F5FE723}"/>
+                <a16:creationId xmlns:a16="http://schemas.microsoft.com/office/drawing/2014/main" id="{92FE54DB-26D2-D8E6-AF6D-0BAE795CB224}"/>
               </a:ext>
             </a:extLst>
           </p:cNvPr>
@@ -8584,8 +8589,8 @@
         </p:nvSpPr>
         <p:spPr>
           <a:xfrm>
-            <a:off x="293511" y="2065866"/>
-            <a:ext cx="11424356" cy="4154311"/>
+            <a:off x="451555" y="2043290"/>
+            <a:ext cx="11288889" cy="4301067"/>
           </a:xfrm>
         </p:spPr>
         <p:txBody>
@@ -8595,65 +8600,80 @@
           <a:lstStyle/>
           <a:p>
             <a:r>
-              <a:rPr lang="en-US" sz="2600" dirty="0"/>
+              <a:rPr lang="en-US" dirty="0"/>
               <a:t>Uses a </a:t>
             </a:r>
             <a:r>
-              <a:rPr lang="en-US" sz="2600" dirty="0" err="1"/>
+              <a:rPr lang="en-US" dirty="0" err="1"/>
               <a:t>mongodb</a:t>
             </a:r>
             <a:r>
-              <a:rPr lang="en-US" sz="2600" dirty="0"/>
+              <a:rPr lang="en-US" dirty="0"/>
               <a:t> database</a:t>
             </a:r>
           </a:p>
           <a:p>
             <a:r>
-              <a:rPr lang="en-US" sz="2600" dirty="0"/>
-              <a:t>Uses firebase to keep user information secure</a:t>
-            </a:r>
-          </a:p>
-          <a:p>
-            <a:r>
-              <a:rPr lang="en-US" sz="2600" dirty="0"/>
-              <a:t>Uses Django with rest API</a:t>
-            </a:r>
-          </a:p>
-          <a:p>
-            <a:r>
-              <a:rPr lang="en-US" sz="2600" dirty="0"/>
-              <a:t>Uses React and CSS</a:t>
-            </a:r>
-          </a:p>
-          <a:p>
-            <a:r>
-              <a:rPr lang="en-US" sz="2600" dirty="0"/>
+              <a:rPr lang="en-US" dirty="0"/>
               <a:t>Hosted on google cloud</a:t>
             </a:r>
           </a:p>
           <a:p>
             <a:r>
-              <a:rPr lang="en-US" sz="2600" dirty="0"/>
+              <a:rPr lang="en-US" dirty="0"/>
               <a:t>Uses a custom web scrapper</a:t>
             </a:r>
           </a:p>
           <a:p>
             <a:r>
-              <a:rPr lang="en-US" sz="2600" dirty="0"/>
-              <a:t>Uses an algorithm to display preferred </a:t>
-            </a:r>
-            <a:r>
-              <a:rPr lang="en-US" sz="2600"/>
-              <a:t>dishes first</a:t>
-            </a:r>
-            <a:endParaRPr lang="en-US" sz="2600" dirty="0"/>
+              <a:rPr lang="en-US" dirty="0"/>
+              <a:t>Web application made with React, CSS, JavaScript, and Node.js. </a:t>
+            </a:r>
+          </a:p>
+          <a:p>
+            <a:r>
+              <a:rPr lang="en-US" dirty="0"/>
+              <a:t>Backend is built on python uses Django API and CSV &amp; </a:t>
+            </a:r>
+            <a:r>
+              <a:rPr lang="en-US" dirty="0" err="1"/>
+              <a:t>Json</a:t>
+            </a:r>
+            <a:r>
+              <a:rPr lang="en-US" dirty="0"/>
+              <a:t> databases</a:t>
+            </a:r>
+          </a:p>
+          <a:p>
+            <a:r>
+              <a:rPr lang="en-US" dirty="0"/>
+              <a:t>Uses firebase for secure authentication for user logins. </a:t>
+            </a:r>
+          </a:p>
+          <a:p>
+            <a:r>
+              <a:rPr lang="en-US" dirty="0"/>
+              <a:t>Algorithm used considers parameters like allergens, cuisine preference and meal type </a:t>
+            </a:r>
+          </a:p>
+          <a:p>
+            <a:r>
+              <a:rPr lang="en-US" dirty="0"/>
+              <a:t>Displays recipes in stack format arranged in order of user rating</a:t>
+            </a:r>
+          </a:p>
+          <a:p>
+            <a:r>
+              <a:rPr lang="en-US" dirty="0"/>
+              <a:t>The recipes are also tagged based on the ingredients (for ex: gluten free would be a tag if the recipe does not have any gluten</a:t>
+            </a:r>
           </a:p>
         </p:txBody>
       </p:sp>
     </p:spTree>
     <p:extLst>
       <p:ext uri="{BB962C8B-B14F-4D97-AF65-F5344CB8AC3E}">
-        <p14:creationId xmlns:p14="http://schemas.microsoft.com/office/powerpoint/2010/main" val="3242891766"/>
+        <p14:creationId xmlns:p14="http://schemas.microsoft.com/office/powerpoint/2010/main" val="3122597308"/>
       </p:ext>
     </p:extLst>
   </p:cSld>
@@ -8664,6 +8684,926 @@
 </file>
 
 <file path=ppt/slides/slide5.xml><?xml version="1.0" encoding="utf-8"?>
+<p:sld xmlns:a="http://schemas.openxmlformats.org/drawingml/2006/main" xmlns:r="http://schemas.openxmlformats.org/officeDocument/2006/relationships" xmlns:p="http://schemas.openxmlformats.org/presentationml/2006/main">
+  <p:cSld>
+    <p:bg>
+      <p:bgPr>
+        <a:gradFill rotWithShape="1">
+          <a:gsLst>
+            <a:gs pos="0">
+              <a:schemeClr val="bg2">
+                <a:tint val="96000"/>
+                <a:shade val="100000"/>
+                <a:hueMod val="270000"/>
+                <a:satMod val="200000"/>
+                <a:lumMod val="128000"/>
+              </a:schemeClr>
+            </a:gs>
+            <a:gs pos="50000">
+              <a:schemeClr val="bg2">
+                <a:shade val="100000"/>
+                <a:hueMod val="100000"/>
+                <a:satMod val="110000"/>
+                <a:lumMod val="130000"/>
+              </a:schemeClr>
+            </a:gs>
+            <a:gs pos="100000">
+              <a:schemeClr val="bg2">
+                <a:shade val="78000"/>
+                <a:hueMod val="44000"/>
+                <a:satMod val="200000"/>
+                <a:lumMod val="69000"/>
+              </a:schemeClr>
+            </a:gs>
+          </a:gsLst>
+          <a:lin ang="2520000" scaled="0"/>
+        </a:gradFill>
+        <a:effectLst/>
+      </p:bgPr>
+    </p:bg>
+    <p:spTree>
+      <p:nvGrpSpPr>
+        <p:cNvPr id="1" name=""/>
+        <p:cNvGrpSpPr/>
+        <p:nvPr/>
+      </p:nvGrpSpPr>
+      <p:grpSpPr>
+        <a:xfrm>
+          <a:off x="0" y="0"/>
+          <a:ext cx="0" cy="0"/>
+          <a:chOff x="0" y="0"/>
+          <a:chExt cx="0" cy="0"/>
+        </a:xfrm>
+      </p:grpSpPr>
+      <p:sp useBgFill="1">
+        <p:nvSpPr>
+          <p:cNvPr id="1033" name="Rectangle 1032">
+            <a:extLst>
+              <a:ext uri="{FF2B5EF4-FFF2-40B4-BE49-F238E27FC236}">
+                <a16:creationId xmlns:a16="http://schemas.microsoft.com/office/drawing/2014/main" id="{F4979F40-3A44-4CCB-9EB7-F8318BCE576B}"/>
+              </a:ext>
+              <a:ext uri="{C183D7F6-B498-43B3-948B-1728B52AA6E4}">
+                <adec:decorative xmlns:adec="http://schemas.microsoft.com/office/drawing/2017/decorative" val="1"/>
+              </a:ext>
+            </a:extLst>
+          </p:cNvPr>
+          <p:cNvSpPr>
+            <a:spLocks noGrp="1" noRot="1" noChangeAspect="1" noMove="1" noResize="1" noEditPoints="1" noAdjustHandles="1" noChangeArrowheads="1" noChangeShapeType="1" noTextEdit="1"/>
+          </p:cNvSpPr>
+          <p:nvPr>
+            <p:extLst>
+              <p:ext uri="{386F3935-93C4-4BCD-93E2-E3B085C9AB24}">
+                <p16:designElem xmlns:p16="http://schemas.microsoft.com/office/powerpoint/2015/main" val="1"/>
+              </p:ext>
+            </p:extLst>
+          </p:nvPr>
+        </p:nvSpPr>
+        <p:spPr>
+          <a:xfrm>
+            <a:off x="0" y="-1"/>
+            <a:ext cx="12188824" cy="6858001"/>
+          </a:xfrm>
+          <a:prstGeom prst="rect">
+            <a:avLst/>
+          </a:prstGeom>
+          <a:ln>
+            <a:noFill/>
+          </a:ln>
+        </p:spPr>
+        <p:style>
+          <a:lnRef idx="2">
+            <a:schemeClr val="accent1">
+              <a:shade val="50000"/>
+            </a:schemeClr>
+          </a:lnRef>
+          <a:fillRef idx="1">
+            <a:schemeClr val="accent1"/>
+          </a:fillRef>
+          <a:effectRef idx="0">
+            <a:schemeClr val="accent1"/>
+          </a:effectRef>
+          <a:fontRef idx="minor">
+            <a:schemeClr val="lt1"/>
+          </a:fontRef>
+        </p:style>
+        <p:txBody>
+          <a:bodyPr rtlCol="0" anchor="ctr"/>
+          <a:lstStyle/>
+          <a:p>
+            <a:pPr algn="ctr"/>
+            <a:endParaRPr lang="en-US"/>
+          </a:p>
+        </p:txBody>
+      </p:sp>
+      <p:pic>
+        <p:nvPicPr>
+          <p:cNvPr id="1035" name="Picture 1034">
+            <a:extLst>
+              <a:ext uri="{FF2B5EF4-FFF2-40B4-BE49-F238E27FC236}">
+                <a16:creationId xmlns:a16="http://schemas.microsoft.com/office/drawing/2014/main" id="{15291D39-6B03-4BB5-BFC6-CBF11E90BFD6}"/>
+              </a:ext>
+              <a:ext uri="{C183D7F6-B498-43B3-948B-1728B52AA6E4}">
+                <adec:decorative xmlns:adec="http://schemas.microsoft.com/office/drawing/2017/decorative" val="1"/>
+              </a:ext>
+            </a:extLst>
+          </p:cNvPr>
+          <p:cNvPicPr>
+            <a:picLocks noGrp="1" noRot="1" noChangeAspect="1" noMove="1" noResize="1" noEditPoints="1" noAdjustHandles="1" noChangeArrowheads="1" noChangeShapeType="1" noCrop="1"/>
+          </p:cNvPicPr>
+          <p:nvPr>
+            <p:extLst>
+              <p:ext uri="{386F3935-93C4-4BCD-93E2-E3B085C9AB24}">
+                <p16:designElem xmlns:p16="http://schemas.microsoft.com/office/powerpoint/2015/main" val="1"/>
+              </p:ext>
+            </p:extLst>
+          </p:nvPr>
+        </p:nvPicPr>
+        <p:blipFill>
+          <a:blip r:embed="rId2">
+            <a:alphaModFix amt="10000"/>
+            <a:extLst>
+              <a:ext uri="{28A0092B-C50C-407E-A947-70E740481C1C}">
+                <a14:useLocalDpi xmlns:a14="http://schemas.microsoft.com/office/drawing/2010/main" val="0"/>
+              </a:ext>
+            </a:extLst>
+          </a:blip>
+          <a:stretch>
+            <a:fillRect/>
+          </a:stretch>
+        </p:blipFill>
+        <p:spPr>
+          <a:xfrm>
+            <a:off x="-3176" y="0"/>
+            <a:ext cx="12192000" cy="6858000"/>
+          </a:xfrm>
+          <a:prstGeom prst="rect">
+            <a:avLst/>
+          </a:prstGeom>
+        </p:spPr>
+      </p:pic>
+      <p:sp>
+        <p:nvSpPr>
+          <p:cNvPr id="1037" name="Rectangle 1036">
+            <a:extLst>
+              <a:ext uri="{FF2B5EF4-FFF2-40B4-BE49-F238E27FC236}">
+                <a16:creationId xmlns:a16="http://schemas.microsoft.com/office/drawing/2014/main" id="{AFD071FA-0514-4371-9568-86216A1F4658}"/>
+              </a:ext>
+              <a:ext uri="{C183D7F6-B498-43B3-948B-1728B52AA6E4}">
+                <adec:decorative xmlns:adec="http://schemas.microsoft.com/office/drawing/2017/decorative" val="1"/>
+              </a:ext>
+            </a:extLst>
+          </p:cNvPr>
+          <p:cNvSpPr>
+            <a:spLocks noGrp="1" noRot="1" noChangeAspect="1" noMove="1" noResize="1" noEditPoints="1" noAdjustHandles="1" noChangeArrowheads="1" noChangeShapeType="1" noTextEdit="1"/>
+          </p:cNvSpPr>
+          <p:nvPr>
+            <p:extLst>
+              <p:ext uri="{386F3935-93C4-4BCD-93E2-E3B085C9AB24}">
+                <p16:designElem xmlns:p16="http://schemas.microsoft.com/office/powerpoint/2015/main" val="1"/>
+              </p:ext>
+            </p:extLst>
+          </p:nvPr>
+        </p:nvSpPr>
+        <p:spPr>
+          <a:xfrm>
+            <a:off x="4639056" y="0"/>
+            <a:ext cx="7552944" cy="6858001"/>
+          </a:xfrm>
+          <a:prstGeom prst="rect">
+            <a:avLst/>
+          </a:prstGeom>
+          <a:ln>
+            <a:noFill/>
+          </a:ln>
+        </p:spPr>
+        <p:style>
+          <a:lnRef idx="2">
+            <a:schemeClr val="accent1">
+              <a:shade val="50000"/>
+            </a:schemeClr>
+          </a:lnRef>
+          <a:fillRef idx="1">
+            <a:schemeClr val="accent1"/>
+          </a:fillRef>
+          <a:effectRef idx="0">
+            <a:schemeClr val="accent1"/>
+          </a:effectRef>
+          <a:fontRef idx="minor">
+            <a:schemeClr val="lt1"/>
+          </a:fontRef>
+        </p:style>
+        <p:txBody>
+          <a:bodyPr rtlCol="0" anchor="ctr"/>
+          <a:lstStyle/>
+          <a:p>
+            <a:pPr algn="ctr"/>
+            <a:endParaRPr lang="en-US"/>
+          </a:p>
+        </p:txBody>
+      </p:sp>
+      <p:sp>
+        <p:nvSpPr>
+          <p:cNvPr id="1039" name="Rectangle 1038">
+            <a:extLst>
+              <a:ext uri="{FF2B5EF4-FFF2-40B4-BE49-F238E27FC236}">
+                <a16:creationId xmlns:a16="http://schemas.microsoft.com/office/drawing/2014/main" id="{5211DDA4-E7B5-4325-A844-B7F59B084BA7}"/>
+              </a:ext>
+              <a:ext uri="{C183D7F6-B498-43B3-948B-1728B52AA6E4}">
+                <adec:decorative xmlns:adec="http://schemas.microsoft.com/office/drawing/2017/decorative" val="1"/>
+              </a:ext>
+            </a:extLst>
+          </p:cNvPr>
+          <p:cNvSpPr>
+            <a:spLocks noGrp="1" noRot="1" noChangeAspect="1" noMove="1" noResize="1" noEditPoints="1" noAdjustHandles="1" noChangeArrowheads="1" noChangeShapeType="1" noTextEdit="1"/>
+          </p:cNvSpPr>
+          <p:nvPr>
+            <p:extLst>
+              <p:ext uri="{386F3935-93C4-4BCD-93E2-E3B085C9AB24}">
+                <p16:designElem xmlns:p16="http://schemas.microsoft.com/office/powerpoint/2015/main" val="1"/>
+              </p:ext>
+            </p:extLst>
+          </p:nvPr>
+        </p:nvSpPr>
+        <p:spPr bwMode="grayWhite">
+          <a:xfrm>
+            <a:off x="2" y="609600"/>
+            <a:ext cx="4959094" cy="1368198"/>
+          </a:xfrm>
+          <a:prstGeom prst="rect">
+            <a:avLst/>
+          </a:prstGeom>
+          <a:solidFill>
+            <a:schemeClr val="bg1">
+              <a:lumMod val="85000"/>
+              <a:lumOff val="15000"/>
+            </a:schemeClr>
+          </a:solidFill>
+          <a:ln>
+            <a:noFill/>
+          </a:ln>
+        </p:spPr>
+        <p:style>
+          <a:lnRef idx="2">
+            <a:schemeClr val="accent1">
+              <a:shade val="50000"/>
+            </a:schemeClr>
+          </a:lnRef>
+          <a:fillRef idx="1">
+            <a:schemeClr val="accent1"/>
+          </a:fillRef>
+          <a:effectRef idx="0">
+            <a:schemeClr val="accent1"/>
+          </a:effectRef>
+          <a:fontRef idx="minor">
+            <a:schemeClr val="lt1"/>
+          </a:fontRef>
+        </p:style>
+      </p:sp>
+      <p:sp>
+        <p:nvSpPr>
+          <p:cNvPr id="2" name="Title 1">
+            <a:extLst>
+              <a:ext uri="{FF2B5EF4-FFF2-40B4-BE49-F238E27FC236}">
+                <a16:creationId xmlns:a16="http://schemas.microsoft.com/office/drawing/2014/main" id="{E4E8F3A5-7A96-6501-07A4-1AFF21D157A8}"/>
+              </a:ext>
+            </a:extLst>
+          </p:cNvPr>
+          <p:cNvSpPr>
+            <a:spLocks noGrp="1"/>
+          </p:cNvSpPr>
+          <p:nvPr>
+            <p:ph type="title"/>
+          </p:nvPr>
+        </p:nvSpPr>
+        <p:spPr>
+          <a:xfrm>
+            <a:off x="680321" y="753228"/>
+            <a:ext cx="4136123" cy="1080938"/>
+          </a:xfrm>
+        </p:spPr>
+        <p:txBody>
+          <a:bodyPr>
+            <a:normAutofit/>
+          </a:bodyPr>
+          <a:lstStyle/>
+          <a:p>
+            <a:r>
+              <a:rPr lang="en-US" dirty="0"/>
+              <a:t>Login Page</a:t>
+            </a:r>
+          </a:p>
+        </p:txBody>
+      </p:sp>
+      <p:pic>
+        <p:nvPicPr>
+          <p:cNvPr id="1041" name="Picture 1040">
+            <a:extLst>
+              <a:ext uri="{FF2B5EF4-FFF2-40B4-BE49-F238E27FC236}">
+                <a16:creationId xmlns:a16="http://schemas.microsoft.com/office/drawing/2014/main" id="{0D58E222-6309-4F79-AC20-9D3C69CD9B16}"/>
+              </a:ext>
+              <a:ext uri="{C183D7F6-B498-43B3-948B-1728B52AA6E4}">
+                <adec:decorative xmlns:adec="http://schemas.microsoft.com/office/drawing/2017/decorative" val="1"/>
+              </a:ext>
+            </a:extLst>
+          </p:cNvPr>
+          <p:cNvPicPr>
+            <a:picLocks noGrp="1" noRot="1" noChangeAspect="1" noMove="1" noResize="1" noEditPoints="1" noAdjustHandles="1" noChangeArrowheads="1" noChangeShapeType="1" noCrop="1"/>
+          </p:cNvPicPr>
+          <p:nvPr>
+            <p:extLst>
+              <p:ext uri="{386F3935-93C4-4BCD-93E2-E3B085C9AB24}">
+                <p16:designElem xmlns:p16="http://schemas.microsoft.com/office/powerpoint/2015/main" val="1"/>
+              </p:ext>
+            </p:extLst>
+          </p:nvPr>
+        </p:nvPicPr>
+        <p:blipFill>
+          <a:blip r:embed="rId3">
+            <a:extLst>
+              <a:ext uri="{28A0092B-C50C-407E-A947-70E740481C1C}">
+                <a14:useLocalDpi xmlns:a14="http://schemas.microsoft.com/office/drawing/2010/main" val="0"/>
+              </a:ext>
+            </a:extLst>
+          </a:blip>
+          <a:stretch>
+            <a:fillRect/>
+          </a:stretch>
+        </p:blipFill>
+        <p:spPr>
+          <a:xfrm>
+            <a:off x="2" y="1970241"/>
+            <a:ext cx="4956048" cy="199787"/>
+          </a:xfrm>
+          <a:prstGeom prst="rect">
+            <a:avLst/>
+          </a:prstGeom>
+        </p:spPr>
+      </p:pic>
+      <p:sp>
+        <p:nvSpPr>
+          <p:cNvPr id="1030" name="Content Placeholder 1029">
+            <a:extLst>
+              <a:ext uri="{FF2B5EF4-FFF2-40B4-BE49-F238E27FC236}">
+                <a16:creationId xmlns:a16="http://schemas.microsoft.com/office/drawing/2014/main" id="{AFE6F535-E6F0-7E37-4521-83316B88ABC4}"/>
+              </a:ext>
+            </a:extLst>
+          </p:cNvPr>
+          <p:cNvSpPr>
+            <a:spLocks noGrp="1"/>
+          </p:cNvSpPr>
+          <p:nvPr>
+            <p:ph idx="1"/>
+          </p:nvPr>
+        </p:nvSpPr>
+        <p:spPr>
+          <a:xfrm>
+            <a:off x="680321" y="2336873"/>
+            <a:ext cx="3656289" cy="3599316"/>
+          </a:xfrm>
+        </p:spPr>
+        <p:txBody>
+          <a:bodyPr>
+            <a:normAutofit/>
+          </a:bodyPr>
+          <a:lstStyle/>
+          <a:p>
+            <a:r>
+              <a:rPr lang="en-US" sz="2800" dirty="0"/>
+              <a:t>Uses Firebase to authenticate and keep info secure</a:t>
+            </a:r>
+          </a:p>
+        </p:txBody>
+      </p:sp>
+      <p:pic>
+        <p:nvPicPr>
+          <p:cNvPr id="1026" name="Picture 2">
+            <a:extLst>
+              <a:ext uri="{FF2B5EF4-FFF2-40B4-BE49-F238E27FC236}">
+                <a16:creationId xmlns:a16="http://schemas.microsoft.com/office/drawing/2014/main" id="{570EB48A-680D-B8F8-1C26-5D87888C5DE5}"/>
+              </a:ext>
+            </a:extLst>
+          </p:cNvPr>
+          <p:cNvPicPr>
+            <a:picLocks noChangeAspect="1" noChangeArrowheads="1"/>
+          </p:cNvPicPr>
+          <p:nvPr/>
+        </p:nvPicPr>
+        <p:blipFill>
+          <a:blip r:embed="rId4">
+            <a:extLst>
+              <a:ext uri="{28A0092B-C50C-407E-A947-70E740481C1C}">
+                <a14:useLocalDpi xmlns:a14="http://schemas.microsoft.com/office/drawing/2010/main" val="0"/>
+              </a:ext>
+            </a:extLst>
+          </a:blip>
+          <a:stretch>
+            <a:fillRect/>
+          </a:stretch>
+        </p:blipFill>
+        <p:spPr bwMode="auto">
+          <a:xfrm>
+            <a:off x="5636369" y="221528"/>
+            <a:ext cx="5302564" cy="6107267"/>
+          </a:xfrm>
+          <a:prstGeom prst="rect">
+            <a:avLst/>
+          </a:prstGeom>
+          <a:noFill/>
+          <a:ln>
+            <a:noFill/>
+          </a:ln>
+          <a:effectLst>
+            <a:outerShdw blurRad="76200" dist="63500" dir="5040000" algn="tl" rotWithShape="0">
+              <a:srgbClr val="000000">
+                <a:alpha val="41000"/>
+              </a:srgbClr>
+            </a:outerShdw>
+          </a:effectLst>
+          <a:extLst>
+            <a:ext uri="{909E8E84-426E-40DD-AFC4-6F175D3DCCD1}">
+              <a14:hiddenFill xmlns:a14="http://schemas.microsoft.com/office/drawing/2010/main">
+                <a:solidFill>
+                  <a:srgbClr val="FFFFFF"/>
+                </a:solidFill>
+              </a14:hiddenFill>
+            </a:ext>
+          </a:extLst>
+        </p:spPr>
+      </p:pic>
+    </p:spTree>
+    <p:extLst>
+      <p:ext uri="{BB962C8B-B14F-4D97-AF65-F5344CB8AC3E}">
+        <p14:creationId xmlns:p14="http://schemas.microsoft.com/office/powerpoint/2010/main" val="3805740451"/>
+      </p:ext>
+    </p:extLst>
+  </p:cSld>
+  <p:clrMapOvr>
+    <a:masterClrMapping/>
+  </p:clrMapOvr>
+</p:sld>
+</file>
+
+<file path=ppt/slides/slide6.xml><?xml version="1.0" encoding="utf-8"?>
+<p:sld xmlns:a="http://schemas.openxmlformats.org/drawingml/2006/main" xmlns:r="http://schemas.openxmlformats.org/officeDocument/2006/relationships" xmlns:p="http://schemas.openxmlformats.org/presentationml/2006/main">
+  <p:cSld>
+    <p:bg>
+      <p:bgPr>
+        <a:gradFill rotWithShape="1">
+          <a:gsLst>
+            <a:gs pos="0">
+              <a:schemeClr val="bg2">
+                <a:tint val="96000"/>
+                <a:shade val="100000"/>
+                <a:hueMod val="270000"/>
+                <a:satMod val="200000"/>
+                <a:lumMod val="128000"/>
+              </a:schemeClr>
+            </a:gs>
+            <a:gs pos="50000">
+              <a:schemeClr val="bg2">
+                <a:shade val="100000"/>
+                <a:hueMod val="100000"/>
+                <a:satMod val="110000"/>
+                <a:lumMod val="130000"/>
+              </a:schemeClr>
+            </a:gs>
+            <a:gs pos="100000">
+              <a:schemeClr val="bg2">
+                <a:shade val="78000"/>
+                <a:hueMod val="44000"/>
+                <a:satMod val="200000"/>
+                <a:lumMod val="69000"/>
+              </a:schemeClr>
+            </a:gs>
+          </a:gsLst>
+          <a:lin ang="2520000" scaled="0"/>
+        </a:gradFill>
+        <a:effectLst/>
+      </p:bgPr>
+    </p:bg>
+    <p:spTree>
+      <p:nvGrpSpPr>
+        <p:cNvPr id="1" name=""/>
+        <p:cNvGrpSpPr/>
+        <p:nvPr/>
+      </p:nvGrpSpPr>
+      <p:grpSpPr>
+        <a:xfrm>
+          <a:off x="0" y="0"/>
+          <a:ext cx="0" cy="0"/>
+          <a:chOff x="0" y="0"/>
+          <a:chExt cx="0" cy="0"/>
+        </a:xfrm>
+      </p:grpSpPr>
+      <p:sp useBgFill="1">
+        <p:nvSpPr>
+          <p:cNvPr id="2057" name="Rectangle 2056">
+            <a:extLst>
+              <a:ext uri="{FF2B5EF4-FFF2-40B4-BE49-F238E27FC236}">
+                <a16:creationId xmlns:a16="http://schemas.microsoft.com/office/drawing/2014/main" id="{F4979F40-3A44-4CCB-9EB7-F8318BCE576B}"/>
+              </a:ext>
+              <a:ext uri="{C183D7F6-B498-43B3-948B-1728B52AA6E4}">
+                <adec:decorative xmlns:adec="http://schemas.microsoft.com/office/drawing/2017/decorative" val="1"/>
+              </a:ext>
+            </a:extLst>
+          </p:cNvPr>
+          <p:cNvSpPr>
+            <a:spLocks noGrp="1" noRot="1" noChangeAspect="1" noMove="1" noResize="1" noEditPoints="1" noAdjustHandles="1" noChangeArrowheads="1" noChangeShapeType="1" noTextEdit="1"/>
+          </p:cNvSpPr>
+          <p:nvPr>
+            <p:extLst>
+              <p:ext uri="{386F3935-93C4-4BCD-93E2-E3B085C9AB24}">
+                <p16:designElem xmlns:p16="http://schemas.microsoft.com/office/powerpoint/2015/main" val="1"/>
+              </p:ext>
+            </p:extLst>
+          </p:nvPr>
+        </p:nvSpPr>
+        <p:spPr>
+          <a:xfrm>
+            <a:off x="0" y="-1"/>
+            <a:ext cx="12188824" cy="6858001"/>
+          </a:xfrm>
+          <a:prstGeom prst="rect">
+            <a:avLst/>
+          </a:prstGeom>
+          <a:ln>
+            <a:noFill/>
+          </a:ln>
+        </p:spPr>
+        <p:style>
+          <a:lnRef idx="2">
+            <a:schemeClr val="accent1">
+              <a:shade val="50000"/>
+            </a:schemeClr>
+          </a:lnRef>
+          <a:fillRef idx="1">
+            <a:schemeClr val="accent1"/>
+          </a:fillRef>
+          <a:effectRef idx="0">
+            <a:schemeClr val="accent1"/>
+          </a:effectRef>
+          <a:fontRef idx="minor">
+            <a:schemeClr val="lt1"/>
+          </a:fontRef>
+        </p:style>
+        <p:txBody>
+          <a:bodyPr rtlCol="0" anchor="ctr"/>
+          <a:lstStyle/>
+          <a:p>
+            <a:pPr algn="ctr"/>
+            <a:endParaRPr lang="en-US"/>
+          </a:p>
+        </p:txBody>
+      </p:sp>
+      <p:pic>
+        <p:nvPicPr>
+          <p:cNvPr id="2059" name="Picture 2058">
+            <a:extLst>
+              <a:ext uri="{FF2B5EF4-FFF2-40B4-BE49-F238E27FC236}">
+                <a16:creationId xmlns:a16="http://schemas.microsoft.com/office/drawing/2014/main" id="{15291D39-6B03-4BB5-BFC6-CBF11E90BFD6}"/>
+              </a:ext>
+              <a:ext uri="{C183D7F6-B498-43B3-948B-1728B52AA6E4}">
+                <adec:decorative xmlns:adec="http://schemas.microsoft.com/office/drawing/2017/decorative" val="1"/>
+              </a:ext>
+            </a:extLst>
+          </p:cNvPr>
+          <p:cNvPicPr>
+            <a:picLocks noGrp="1" noRot="1" noChangeAspect="1" noMove="1" noResize="1" noEditPoints="1" noAdjustHandles="1" noChangeArrowheads="1" noChangeShapeType="1" noCrop="1"/>
+          </p:cNvPicPr>
+          <p:nvPr>
+            <p:extLst>
+              <p:ext uri="{386F3935-93C4-4BCD-93E2-E3B085C9AB24}">
+                <p16:designElem xmlns:p16="http://schemas.microsoft.com/office/powerpoint/2015/main" val="1"/>
+              </p:ext>
+            </p:extLst>
+          </p:nvPr>
+        </p:nvPicPr>
+        <p:blipFill>
+          <a:blip r:embed="rId2">
+            <a:alphaModFix amt="10000"/>
+            <a:extLst>
+              <a:ext uri="{28A0092B-C50C-407E-A947-70E740481C1C}">
+                <a14:useLocalDpi xmlns:a14="http://schemas.microsoft.com/office/drawing/2010/main" val="0"/>
+              </a:ext>
+            </a:extLst>
+          </a:blip>
+          <a:stretch>
+            <a:fillRect/>
+          </a:stretch>
+        </p:blipFill>
+        <p:spPr>
+          <a:xfrm>
+            <a:off x="-3176" y="0"/>
+            <a:ext cx="12192000" cy="6858000"/>
+          </a:xfrm>
+          <a:prstGeom prst="rect">
+            <a:avLst/>
+          </a:prstGeom>
+        </p:spPr>
+      </p:pic>
+      <p:sp>
+        <p:nvSpPr>
+          <p:cNvPr id="2061" name="Rectangle 2060">
+            <a:extLst>
+              <a:ext uri="{FF2B5EF4-FFF2-40B4-BE49-F238E27FC236}">
+                <a16:creationId xmlns:a16="http://schemas.microsoft.com/office/drawing/2014/main" id="{AFD071FA-0514-4371-9568-86216A1F4658}"/>
+              </a:ext>
+              <a:ext uri="{C183D7F6-B498-43B3-948B-1728B52AA6E4}">
+                <adec:decorative xmlns:adec="http://schemas.microsoft.com/office/drawing/2017/decorative" val="1"/>
+              </a:ext>
+            </a:extLst>
+          </p:cNvPr>
+          <p:cNvSpPr>
+            <a:spLocks noGrp="1" noRot="1" noChangeAspect="1" noMove="1" noResize="1" noEditPoints="1" noAdjustHandles="1" noChangeArrowheads="1" noChangeShapeType="1" noTextEdit="1"/>
+          </p:cNvSpPr>
+          <p:nvPr>
+            <p:extLst>
+              <p:ext uri="{386F3935-93C4-4BCD-93E2-E3B085C9AB24}">
+                <p16:designElem xmlns:p16="http://schemas.microsoft.com/office/powerpoint/2015/main" val="1"/>
+              </p:ext>
+            </p:extLst>
+          </p:nvPr>
+        </p:nvSpPr>
+        <p:spPr>
+          <a:xfrm>
+            <a:off x="4639056" y="0"/>
+            <a:ext cx="7552944" cy="6858001"/>
+          </a:xfrm>
+          <a:prstGeom prst="rect">
+            <a:avLst/>
+          </a:prstGeom>
+          <a:ln>
+            <a:noFill/>
+          </a:ln>
+        </p:spPr>
+        <p:style>
+          <a:lnRef idx="2">
+            <a:schemeClr val="accent1">
+              <a:shade val="50000"/>
+            </a:schemeClr>
+          </a:lnRef>
+          <a:fillRef idx="1">
+            <a:schemeClr val="accent1"/>
+          </a:fillRef>
+          <a:effectRef idx="0">
+            <a:schemeClr val="accent1"/>
+          </a:effectRef>
+          <a:fontRef idx="minor">
+            <a:schemeClr val="lt1"/>
+          </a:fontRef>
+        </p:style>
+        <p:txBody>
+          <a:bodyPr rtlCol="0" anchor="ctr"/>
+          <a:lstStyle/>
+          <a:p>
+            <a:pPr algn="ctr"/>
+            <a:endParaRPr lang="en-US"/>
+          </a:p>
+        </p:txBody>
+      </p:sp>
+      <p:sp>
+        <p:nvSpPr>
+          <p:cNvPr id="2063" name="Rectangle 2062">
+            <a:extLst>
+              <a:ext uri="{FF2B5EF4-FFF2-40B4-BE49-F238E27FC236}">
+                <a16:creationId xmlns:a16="http://schemas.microsoft.com/office/drawing/2014/main" id="{5211DDA4-E7B5-4325-A844-B7F59B084BA7}"/>
+              </a:ext>
+              <a:ext uri="{C183D7F6-B498-43B3-948B-1728B52AA6E4}">
+                <adec:decorative xmlns:adec="http://schemas.microsoft.com/office/drawing/2017/decorative" val="1"/>
+              </a:ext>
+            </a:extLst>
+          </p:cNvPr>
+          <p:cNvSpPr>
+            <a:spLocks noGrp="1" noRot="1" noChangeAspect="1" noMove="1" noResize="1" noEditPoints="1" noAdjustHandles="1" noChangeArrowheads="1" noChangeShapeType="1" noTextEdit="1"/>
+          </p:cNvSpPr>
+          <p:nvPr>
+            <p:extLst>
+              <p:ext uri="{386F3935-93C4-4BCD-93E2-E3B085C9AB24}">
+                <p16:designElem xmlns:p16="http://schemas.microsoft.com/office/powerpoint/2015/main" val="1"/>
+              </p:ext>
+            </p:extLst>
+          </p:nvPr>
+        </p:nvSpPr>
+        <p:spPr bwMode="grayWhite">
+          <a:xfrm>
+            <a:off x="2" y="609600"/>
+            <a:ext cx="4959094" cy="1368198"/>
+          </a:xfrm>
+          <a:prstGeom prst="rect">
+            <a:avLst/>
+          </a:prstGeom>
+          <a:solidFill>
+            <a:schemeClr val="bg1">
+              <a:lumMod val="85000"/>
+              <a:lumOff val="15000"/>
+            </a:schemeClr>
+          </a:solidFill>
+          <a:ln>
+            <a:noFill/>
+          </a:ln>
+        </p:spPr>
+        <p:style>
+          <a:lnRef idx="2">
+            <a:schemeClr val="accent1">
+              <a:shade val="50000"/>
+            </a:schemeClr>
+          </a:lnRef>
+          <a:fillRef idx="1">
+            <a:schemeClr val="accent1"/>
+          </a:fillRef>
+          <a:effectRef idx="0">
+            <a:schemeClr val="accent1"/>
+          </a:effectRef>
+          <a:fontRef idx="minor">
+            <a:schemeClr val="lt1"/>
+          </a:fontRef>
+        </p:style>
+      </p:sp>
+      <p:sp>
+        <p:nvSpPr>
+          <p:cNvPr id="2" name="Title 1">
+            <a:extLst>
+              <a:ext uri="{FF2B5EF4-FFF2-40B4-BE49-F238E27FC236}">
+                <a16:creationId xmlns:a16="http://schemas.microsoft.com/office/drawing/2014/main" id="{6C1077CE-B0B8-60E8-1811-6642E63B8FDB}"/>
+              </a:ext>
+            </a:extLst>
+          </p:cNvPr>
+          <p:cNvSpPr>
+            <a:spLocks noGrp="1"/>
+          </p:cNvSpPr>
+          <p:nvPr>
+            <p:ph type="title"/>
+          </p:nvPr>
+        </p:nvSpPr>
+        <p:spPr>
+          <a:xfrm>
+            <a:off x="680321" y="753228"/>
+            <a:ext cx="4136123" cy="1080938"/>
+          </a:xfrm>
+        </p:spPr>
+        <p:txBody>
+          <a:bodyPr>
+            <a:normAutofit/>
+          </a:bodyPr>
+          <a:lstStyle/>
+          <a:p>
+            <a:r>
+              <a:rPr lang="en-US" dirty="0"/>
+              <a:t>Selection Page</a:t>
+            </a:r>
+          </a:p>
+        </p:txBody>
+      </p:sp>
+      <p:pic>
+        <p:nvPicPr>
+          <p:cNvPr id="2065" name="Picture 2064">
+            <a:extLst>
+              <a:ext uri="{FF2B5EF4-FFF2-40B4-BE49-F238E27FC236}">
+                <a16:creationId xmlns:a16="http://schemas.microsoft.com/office/drawing/2014/main" id="{0D58E222-6309-4F79-AC20-9D3C69CD9B16}"/>
+              </a:ext>
+              <a:ext uri="{C183D7F6-B498-43B3-948B-1728B52AA6E4}">
+                <adec:decorative xmlns:adec="http://schemas.microsoft.com/office/drawing/2017/decorative" val="1"/>
+              </a:ext>
+            </a:extLst>
+          </p:cNvPr>
+          <p:cNvPicPr>
+            <a:picLocks noGrp="1" noRot="1" noChangeAspect="1" noMove="1" noResize="1" noEditPoints="1" noAdjustHandles="1" noChangeArrowheads="1" noChangeShapeType="1" noCrop="1"/>
+          </p:cNvPicPr>
+          <p:nvPr>
+            <p:extLst>
+              <p:ext uri="{386F3935-93C4-4BCD-93E2-E3B085C9AB24}">
+                <p16:designElem xmlns:p16="http://schemas.microsoft.com/office/powerpoint/2015/main" val="1"/>
+              </p:ext>
+            </p:extLst>
+          </p:nvPr>
+        </p:nvPicPr>
+        <p:blipFill>
+          <a:blip r:embed="rId3">
+            <a:extLst>
+              <a:ext uri="{28A0092B-C50C-407E-A947-70E740481C1C}">
+                <a14:useLocalDpi xmlns:a14="http://schemas.microsoft.com/office/drawing/2010/main" val="0"/>
+              </a:ext>
+            </a:extLst>
+          </a:blip>
+          <a:stretch>
+            <a:fillRect/>
+          </a:stretch>
+        </p:blipFill>
+        <p:spPr>
+          <a:xfrm>
+            <a:off x="2" y="1970241"/>
+            <a:ext cx="4956048" cy="199787"/>
+          </a:xfrm>
+          <a:prstGeom prst="rect">
+            <a:avLst/>
+          </a:prstGeom>
+        </p:spPr>
+      </p:pic>
+      <p:sp>
+        <p:nvSpPr>
+          <p:cNvPr id="2054" name="Content Placeholder 2053">
+            <a:extLst>
+              <a:ext uri="{FF2B5EF4-FFF2-40B4-BE49-F238E27FC236}">
+                <a16:creationId xmlns:a16="http://schemas.microsoft.com/office/drawing/2014/main" id="{FB621F8A-10A2-C5DD-3649-858EC9C4FEDE}"/>
+              </a:ext>
+            </a:extLst>
+          </p:cNvPr>
+          <p:cNvSpPr>
+            <a:spLocks noGrp="1"/>
+          </p:cNvSpPr>
+          <p:nvPr>
+            <p:ph idx="1"/>
+          </p:nvPr>
+        </p:nvSpPr>
+        <p:spPr>
+          <a:xfrm>
+            <a:off x="680321" y="2336873"/>
+            <a:ext cx="3656289" cy="3599316"/>
+          </a:xfrm>
+        </p:spPr>
+        <p:txBody>
+          <a:bodyPr>
+            <a:normAutofit/>
+          </a:bodyPr>
+          <a:lstStyle/>
+          <a:p>
+            <a:r>
+              <a:rPr lang="en-US" sz="2800" dirty="0"/>
+              <a:t>Here you choose the category and cuisine preference this sends request to the backend</a:t>
+            </a:r>
+          </a:p>
+        </p:txBody>
+      </p:sp>
+      <p:pic>
+        <p:nvPicPr>
+          <p:cNvPr id="2050" name="Picture 2">
+            <a:extLst>
+              <a:ext uri="{FF2B5EF4-FFF2-40B4-BE49-F238E27FC236}">
+                <a16:creationId xmlns:a16="http://schemas.microsoft.com/office/drawing/2014/main" id="{7F3A0358-2C92-F3FF-E330-5E104332270D}"/>
+              </a:ext>
+            </a:extLst>
+          </p:cNvPr>
+          <p:cNvPicPr>
+            <a:picLocks noChangeAspect="1" noChangeArrowheads="1"/>
+          </p:cNvPicPr>
+          <p:nvPr/>
+        </p:nvPicPr>
+        <p:blipFill>
+          <a:blip r:embed="rId4">
+            <a:extLst>
+              <a:ext uri="{28A0092B-C50C-407E-A947-70E740481C1C}">
+                <a14:useLocalDpi xmlns:a14="http://schemas.microsoft.com/office/drawing/2010/main" val="0"/>
+              </a:ext>
+            </a:extLst>
+          </a:blip>
+          <a:stretch>
+            <a:fillRect/>
+          </a:stretch>
+        </p:blipFill>
+        <p:spPr bwMode="auto">
+          <a:xfrm>
+            <a:off x="5276090" y="913372"/>
+            <a:ext cx="6269479" cy="5031256"/>
+          </a:xfrm>
+          <a:prstGeom prst="rect">
+            <a:avLst/>
+          </a:prstGeom>
+          <a:noFill/>
+          <a:ln>
+            <a:noFill/>
+          </a:ln>
+          <a:effectLst>
+            <a:outerShdw blurRad="76200" dist="63500" dir="5040000" algn="tl" rotWithShape="0">
+              <a:srgbClr val="000000">
+                <a:alpha val="41000"/>
+              </a:srgbClr>
+            </a:outerShdw>
+          </a:effectLst>
+          <a:extLst>
+            <a:ext uri="{909E8E84-426E-40DD-AFC4-6F175D3DCCD1}">
+              <a14:hiddenFill xmlns:a14="http://schemas.microsoft.com/office/drawing/2010/main">
+                <a:solidFill>
+                  <a:srgbClr val="FFFFFF"/>
+                </a:solidFill>
+              </a14:hiddenFill>
+            </a:ext>
+          </a:extLst>
+        </p:spPr>
+      </p:pic>
+    </p:spTree>
+    <p:extLst>
+      <p:ext uri="{BB962C8B-B14F-4D97-AF65-F5344CB8AC3E}">
+        <p14:creationId xmlns:p14="http://schemas.microsoft.com/office/powerpoint/2010/main" val="1856127282"/>
+      </p:ext>
+    </p:extLst>
+  </p:cSld>
+  <p:clrMapOvr>
+    <a:masterClrMapping/>
+  </p:clrMapOvr>
+</p:sld>
+</file>
+
+<file path=ppt/slides/slide7.xml><?xml version="1.0" encoding="utf-8"?>
 <p:sld xmlns:a="http://schemas.openxmlformats.org/drawingml/2006/main" xmlns:r="http://schemas.openxmlformats.org/officeDocument/2006/relationships" xmlns:p="http://schemas.openxmlformats.org/presentationml/2006/main">
   <p:cSld>
     <p:spTree>
@@ -8685,7 +9625,7 @@
           <p:cNvPr id="2" name="Title 1">
             <a:extLst>
               <a:ext uri="{FF2B5EF4-FFF2-40B4-BE49-F238E27FC236}">
-                <a16:creationId xmlns:a16="http://schemas.microsoft.com/office/drawing/2014/main" id="{3C2E9C45-9961-BFC4-B240-F0D8A8B29058}"/>
+                <a16:creationId xmlns:a16="http://schemas.microsoft.com/office/drawing/2014/main" id="{6C1077CE-B0B8-60E8-1811-6642E63B8FDB}"/>
               </a:ext>
             </a:extLst>
           </p:cNvPr>
@@ -8696,24 +9636,31 @@
             <p:ph type="title"/>
           </p:nvPr>
         </p:nvSpPr>
-        <p:spPr/>
-        <p:txBody>
-          <a:bodyPr/>
+        <p:spPr>
+          <a:xfrm>
+            <a:off x="680321" y="753228"/>
+            <a:ext cx="4136123" cy="1080938"/>
+          </a:xfrm>
+        </p:spPr>
+        <p:txBody>
+          <a:bodyPr>
+            <a:normAutofit/>
+          </a:bodyPr>
           <a:lstStyle/>
           <a:p>
             <a:r>
               <a:rPr lang="en-US" dirty="0"/>
-              <a:t>Our Prototype Today</a:t>
-            </a:r>
-          </a:p>
-        </p:txBody>
-      </p:sp>
-      <p:sp>
-        <p:nvSpPr>
-          <p:cNvPr id="3" name="Content Placeholder 2">
+              <a:t>Recipe Page</a:t>
+            </a:r>
+          </a:p>
+        </p:txBody>
+      </p:sp>
+      <p:sp>
+        <p:nvSpPr>
+          <p:cNvPr id="2054" name="Content Placeholder 2053">
             <a:extLst>
               <a:ext uri="{FF2B5EF4-FFF2-40B4-BE49-F238E27FC236}">
-                <a16:creationId xmlns:a16="http://schemas.microsoft.com/office/drawing/2014/main" id="{92FE54DB-26D2-D8E6-AF6D-0BAE795CB224}"/>
+                <a16:creationId xmlns:a16="http://schemas.microsoft.com/office/drawing/2014/main" id="{FB621F8A-10A2-C5DD-3649-858EC9C4FEDE}"/>
               </a:ext>
             </a:extLst>
           </p:cNvPr>
@@ -8726,65 +9673,121 @@
         </p:nvSpPr>
         <p:spPr>
           <a:xfrm>
-            <a:off x="406400" y="2133600"/>
-            <a:ext cx="11288889" cy="4301067"/>
+            <a:off x="312140" y="2392017"/>
+            <a:ext cx="3656289" cy="3599316"/>
           </a:xfrm>
         </p:spPr>
         <p:txBody>
           <a:bodyPr>
-            <a:noAutofit/>
+            <a:normAutofit/>
           </a:bodyPr>
           <a:lstStyle/>
           <a:p>
             <a:r>
-              <a:rPr lang="en-US" sz="2600" dirty="0"/>
-              <a:t>Web application made with React, CSS, JavaScript, and Node.js. </a:t>
-            </a:r>
-          </a:p>
-          <a:p>
-            <a:r>
-              <a:rPr lang="en-US" sz="2600" dirty="0"/>
-              <a:t>Backend is built on python uses Django API and CSV &amp; </a:t>
-            </a:r>
-            <a:r>
-              <a:rPr lang="en-US" sz="2600" dirty="0" err="1"/>
-              <a:t>Json</a:t>
-            </a:r>
-            <a:r>
-              <a:rPr lang="en-US" sz="2600" dirty="0"/>
-              <a:t> databases</a:t>
-            </a:r>
-          </a:p>
-          <a:p>
-            <a:r>
-              <a:rPr lang="en-US" sz="2600" dirty="0"/>
-              <a:t>Uses firebase for secure authentication for user logins. </a:t>
-            </a:r>
-          </a:p>
-          <a:p>
-            <a:r>
-              <a:rPr lang="en-US" sz="2600" dirty="0"/>
-              <a:t>Algorithm used considers parameters like allergens, cuisine preference and meal type </a:t>
-            </a:r>
-          </a:p>
-          <a:p>
-            <a:r>
-              <a:rPr lang="en-US" sz="2600" dirty="0"/>
-              <a:t>Displays recipes in stack format arranged in order of user rating</a:t>
-            </a:r>
-          </a:p>
-          <a:p>
-            <a:r>
-              <a:rPr lang="en-US" sz="2600" dirty="0"/>
-              <a:t>The recipes are also tagged based on the ingredients (for ex: gluten free would be a tag if the recipe does not have any gluten</a:t>
-            </a:r>
-          </a:p>
-        </p:txBody>
-      </p:sp>
+              <a:rPr lang="en-US" sz="2800" dirty="0"/>
+              <a:t>Displays all important information and the recipe as a whole</a:t>
+            </a:r>
+          </a:p>
+        </p:txBody>
+      </p:sp>
+      <p:pic>
+        <p:nvPicPr>
+          <p:cNvPr id="3076" name="Picture 4">
+            <a:extLst>
+              <a:ext uri="{FF2B5EF4-FFF2-40B4-BE49-F238E27FC236}">
+                <a16:creationId xmlns:a16="http://schemas.microsoft.com/office/drawing/2014/main" id="{07468D3F-900A-DEBC-DE5F-C0AA32AA88F2}"/>
+              </a:ext>
+            </a:extLst>
+          </p:cNvPr>
+          <p:cNvPicPr>
+            <a:picLocks noChangeAspect="1" noChangeArrowheads="1"/>
+          </p:cNvPicPr>
+          <p:nvPr/>
+        </p:nvPicPr>
+        <p:blipFill>
+          <a:blip r:embed="rId2">
+            <a:extLst>
+              <a:ext uri="{28A0092B-C50C-407E-A947-70E740481C1C}">
+                <a14:useLocalDpi xmlns:a14="http://schemas.microsoft.com/office/drawing/2010/main" val="0"/>
+              </a:ext>
+            </a:extLst>
+          </a:blip>
+          <a:srcRect/>
+          <a:stretch>
+            <a:fillRect/>
+          </a:stretch>
+        </p:blipFill>
+        <p:spPr bwMode="auto">
+          <a:xfrm>
+            <a:off x="3968429" y="1929907"/>
+            <a:ext cx="4100760" cy="4841564"/>
+          </a:xfrm>
+          <a:prstGeom prst="rect">
+            <a:avLst/>
+          </a:prstGeom>
+          <a:noFill/>
+          <a:extLst>
+            <a:ext uri="{909E8E84-426E-40DD-AFC4-6F175D3DCCD1}">
+              <a14:hiddenFill xmlns:a14="http://schemas.microsoft.com/office/drawing/2010/main">
+                <a:solidFill>
+                  <a:srgbClr val="FFFFFF"/>
+                </a:solidFill>
+              </a14:hiddenFill>
+            </a:ext>
+          </a:extLst>
+        </p:spPr>
+      </p:pic>
+      <p:pic>
+        <p:nvPicPr>
+          <p:cNvPr id="3078" name="Picture 6">
+            <a:extLst>
+              <a:ext uri="{FF2B5EF4-FFF2-40B4-BE49-F238E27FC236}">
+                <a16:creationId xmlns:a16="http://schemas.microsoft.com/office/drawing/2014/main" id="{E1867623-3ED0-4D14-7F4D-3A8699077396}"/>
+              </a:ext>
+            </a:extLst>
+          </p:cNvPr>
+          <p:cNvPicPr>
+            <a:picLocks noChangeAspect="1" noChangeArrowheads="1"/>
+          </p:cNvPicPr>
+          <p:nvPr/>
+        </p:nvPicPr>
+        <p:blipFill>
+          <a:blip r:embed="rId3">
+            <a:extLst>
+              <a:ext uri="{28A0092B-C50C-407E-A947-70E740481C1C}">
+                <a14:useLocalDpi xmlns:a14="http://schemas.microsoft.com/office/drawing/2010/main" val="0"/>
+              </a:ext>
+            </a:extLst>
+          </a:blip>
+          <a:srcRect/>
+          <a:stretch>
+            <a:fillRect/>
+          </a:stretch>
+        </p:blipFill>
+        <p:spPr bwMode="auto">
+          <a:xfrm>
+            <a:off x="8091240" y="0"/>
+            <a:ext cx="4100760" cy="4784035"/>
+          </a:xfrm>
+          <a:prstGeom prst="rect">
+            <a:avLst/>
+          </a:prstGeom>
+          <a:noFill/>
+          <a:extLst>
+            <a:ext uri="{909E8E84-426E-40DD-AFC4-6F175D3DCCD1}">
+              <a14:hiddenFill xmlns:a14="http://schemas.microsoft.com/office/drawing/2010/main">
+                <a:solidFill>
+                  <a:srgbClr val="FFFFFF"/>
+                </a:solidFill>
+              </a14:hiddenFill>
+            </a:ext>
+          </a:extLst>
+        </p:spPr>
+      </p:pic>
     </p:spTree>
     <p:extLst>
       <p:ext uri="{BB962C8B-B14F-4D97-AF65-F5344CB8AC3E}">
-        <p14:creationId xmlns:p14="http://schemas.microsoft.com/office/powerpoint/2010/main" val="3122597308"/>
+        <p14:creationId xmlns:p14="http://schemas.microsoft.com/office/powerpoint/2010/main" val="1215996170"/>
       </p:ext>
     </p:extLst>
   </p:cSld>
@@ -8794,7 +9797,7 @@
 </p:sld>
 </file>
 
-<file path=ppt/slides/slide6.xml><?xml version="1.0" encoding="utf-8"?>
+<file path=ppt/slides/slide8.xml><?xml version="1.0" encoding="utf-8"?>
 <p:sld xmlns:a="http://schemas.openxmlformats.org/drawingml/2006/main" xmlns:r="http://schemas.openxmlformats.org/officeDocument/2006/relationships" xmlns:p="http://schemas.openxmlformats.org/presentationml/2006/main">
   <p:cSld>
     <p:spTree>
@@ -8860,7 +9863,13 @@
           <a:p>
             <a:r>
               <a:rPr lang="en-US" dirty="0"/>
-              <a:t>You might not find love on tinder but you will definitely find it on recipe finder</a:t>
+              <a:t>You might not find love on tinder </a:t>
+            </a:r>
+          </a:p>
+          <a:p>
+            <a:r>
+              <a:rPr lang="en-US" dirty="0"/>
+              <a:t>but you will definitely love recipe finder</a:t>
             </a:r>
           </a:p>
         </p:txBody>
@@ -8876,6 +9885,12 @@
     <a:masterClrMapping/>
   </p:clrMapOvr>
 </p:sld>
+</file>
+
+<file path=ppt/tags/tag1.xml><?xml version="1.0" encoding="utf-8"?>
+<p:tagLst xmlns:a="http://schemas.openxmlformats.org/drawingml/2006/main" xmlns:r="http://schemas.openxmlformats.org/officeDocument/2006/relationships" xmlns:p="http://schemas.openxmlformats.org/presentationml/2006/main">
+  <p:tag name="TIMING" val="|0.6|1.3|5.8|4.8"/>
+</p:tagLst>
 </file>
 
 <file path=ppt/theme/theme1.xml><?xml version="1.0" encoding="utf-8"?>
